--- a/CityHealthCare.pptx
+++ b/CityHealthCare.pptx
@@ -134,6 +134,35 @@
 </p:presentation>
 </file>
 
+<file path=ppt/changesInfos/changesInfo1.xml><?xml version="1.0" encoding="utf-8"?>
+<pc:chgInfo xmlns:a="http://schemas.openxmlformats.org/drawingml/2006/main" xmlns:r="http://schemas.openxmlformats.org/officeDocument/2006/relationships" xmlns:ac="http://schemas.microsoft.com/office/drawing/2013/main/command" xmlns:pc="http://schemas.microsoft.com/office/powerpoint/2013/main/command">
+  <pc:docChgLst>
+    <pc:chgData name="Akshay Shinde" userId="41b8106f94077f75" providerId="LiveId" clId="{9D3C96CA-F37D-4BCF-B8CD-8E9EB6C505AF}"/>
+    <pc:docChg chg="modSld">
+      <pc:chgData name="Akshay Shinde" userId="41b8106f94077f75" providerId="LiveId" clId="{9D3C96CA-F37D-4BCF-B8CD-8E9EB6C505AF}" dt="2022-09-26T17:24:30.934" v="77" actId="20577"/>
+      <pc:docMkLst>
+        <pc:docMk/>
+      </pc:docMkLst>
+      <pc:sldChg chg="modSp mod">
+        <pc:chgData name="Akshay Shinde" userId="41b8106f94077f75" providerId="LiveId" clId="{9D3C96CA-F37D-4BCF-B8CD-8E9EB6C505AF}" dt="2022-09-26T17:24:30.934" v="77" actId="20577"/>
+        <pc:sldMkLst>
+          <pc:docMk/>
+          <pc:sldMk cId="3066581575" sldId="256"/>
+        </pc:sldMkLst>
+        <pc:spChg chg="mod">
+          <ac:chgData name="Akshay Shinde" userId="41b8106f94077f75" providerId="LiveId" clId="{9D3C96CA-F37D-4BCF-B8CD-8E9EB6C505AF}" dt="2022-09-26T17:24:30.934" v="77" actId="20577"/>
+          <ac:spMkLst>
+            <pc:docMk/>
+            <pc:sldMk cId="3066581575" sldId="256"/>
+            <ac:spMk id="3" creationId="{40D07FD7-6AD8-4728-8C5F-AF8F89A86B45}"/>
+          </ac:spMkLst>
+        </pc:spChg>
+      </pc:sldChg>
+    </pc:docChg>
+  </pc:docChgLst>
+</pc:chgInfo>
+</file>
+
 <file path=ppt/slideLayouts/slideLayout1.xml><?xml version="1.0" encoding="utf-8"?>
 <p:sldLayout xmlns:a="http://schemas.openxmlformats.org/drawingml/2006/main" xmlns:r="http://schemas.openxmlformats.org/officeDocument/2006/relationships" xmlns:p="http://schemas.openxmlformats.org/presentationml/2006/main" showMasterSp="0" type="title" preserve="1">
   <p:cSld name="Title Slide">
@@ -184,7 +213,7 @@
           <a:noFill/>
           <a:extLst>
             <a:ext uri="{909E8E84-426E-40dd-AFC4-6F175D3DCCD1}">
-              <a14:hiddenFill xmlns:a14="http://schemas.microsoft.com/office/drawing/2010/main" xmlns="">
+              <a14:hiddenFill xmlns="" xmlns:a14="http://schemas.microsoft.com/office/drawing/2010/main">
                 <a:solidFill>
                   <a:srgbClr val="FFFFFF"/>
                 </a:solidFill>
@@ -244,7 +273,7 @@
             </a:ln>
             <a:extLst>
               <a:ext uri="{91240B29-F687-4f45-9708-019B960494DF}">
-                <a14:hiddenLine xmlns:a14="http://schemas.microsoft.com/office/drawing/2010/main" xmlns="" w="9525">
+                <a14:hiddenLine xmlns="" xmlns:a14="http://schemas.microsoft.com/office/drawing/2010/main" w="9525">
                   <a:solidFill>
                     <a:srgbClr val="000000"/>
                   </a:solidFill>
@@ -334,7 +363,7 @@
             </a:ln>
             <a:extLst>
               <a:ext uri="{91240B29-F687-4f45-9708-019B960494DF}">
-                <a14:hiddenLine xmlns:a14="http://schemas.microsoft.com/office/drawing/2010/main" xmlns="" w="9525">
+                <a14:hiddenLine xmlns="" xmlns:a14="http://schemas.microsoft.com/office/drawing/2010/main" w="9525">
                   <a:solidFill>
                     <a:srgbClr val="000000"/>
                   </a:solidFill>
@@ -424,7 +453,7 @@
             </a:ln>
             <a:extLst>
               <a:ext uri="{91240B29-F687-4f45-9708-019B960494DF}">
-                <a14:hiddenLine xmlns:a14="http://schemas.microsoft.com/office/drawing/2010/main" xmlns="" w="9525">
+                <a14:hiddenLine xmlns="" xmlns:a14="http://schemas.microsoft.com/office/drawing/2010/main" w="9525">
                   <a:solidFill>
                     <a:srgbClr val="000000"/>
                   </a:solidFill>
@@ -458,7 +487,7 @@
             </a:ln>
             <a:extLst>
               <a:ext uri="{91240B29-F687-4f45-9708-019B960494DF}">
-                <a14:hiddenLine xmlns:a14="http://schemas.microsoft.com/office/drawing/2010/main" xmlns="" w="9525">
+                <a14:hiddenLine xmlns="" xmlns:a14="http://schemas.microsoft.com/office/drawing/2010/main" w="9525">
                   <a:solidFill>
                     <a:srgbClr val="000000"/>
                   </a:solidFill>
@@ -548,7 +577,7 @@
             </a:ln>
             <a:extLst>
               <a:ext uri="{91240B29-F687-4f45-9708-019B960494DF}">
-                <a14:hiddenLine xmlns:a14="http://schemas.microsoft.com/office/drawing/2010/main" xmlns="" w="9525">
+                <a14:hiddenLine xmlns="" xmlns:a14="http://schemas.microsoft.com/office/drawing/2010/main" w="9525">
                   <a:solidFill>
                     <a:srgbClr val="000000"/>
                   </a:solidFill>
@@ -610,7 +639,7 @@
             </a:ln>
             <a:extLst>
               <a:ext uri="{91240B29-F687-4f45-9708-019B960494DF}">
-                <a14:hiddenLine xmlns:a14="http://schemas.microsoft.com/office/drawing/2010/main" xmlns="" w="9525">
+                <a14:hiddenLine xmlns="" xmlns:a14="http://schemas.microsoft.com/office/drawing/2010/main" w="9525">
                   <a:solidFill>
                     <a:srgbClr val="000000"/>
                   </a:solidFill>
@@ -672,7 +701,7 @@
             </a:ln>
             <a:extLst>
               <a:ext uri="{91240B29-F687-4f45-9708-019B960494DF}">
-                <a14:hiddenLine xmlns:a14="http://schemas.microsoft.com/office/drawing/2010/main" xmlns="" w="9525">
+                <a14:hiddenLine xmlns="" xmlns:a14="http://schemas.microsoft.com/office/drawing/2010/main" w="9525">
                   <a:solidFill>
                     <a:srgbClr val="000000"/>
                   </a:solidFill>
@@ -762,7 +791,7 @@
             </a:ln>
             <a:extLst>
               <a:ext uri="{91240B29-F687-4f45-9708-019B960494DF}">
-                <a14:hiddenLine xmlns:a14="http://schemas.microsoft.com/office/drawing/2010/main" xmlns="" w="9525">
+                <a14:hiddenLine xmlns="" xmlns:a14="http://schemas.microsoft.com/office/drawing/2010/main" w="9525">
                   <a:solidFill>
                     <a:srgbClr val="000000"/>
                   </a:solidFill>
@@ -824,7 +853,7 @@
             </a:ln>
             <a:extLst>
               <a:ext uri="{91240B29-F687-4f45-9708-019B960494DF}">
-                <a14:hiddenLine xmlns:a14="http://schemas.microsoft.com/office/drawing/2010/main" xmlns="" w="9525">
+                <a14:hiddenLine xmlns="" xmlns:a14="http://schemas.microsoft.com/office/drawing/2010/main" w="9525">
                   <a:solidFill>
                     <a:srgbClr val="000000"/>
                   </a:solidFill>
@@ -886,7 +915,7 @@
             </a:ln>
             <a:extLst>
               <a:ext uri="{91240B29-F687-4f45-9708-019B960494DF}">
-                <a14:hiddenLine xmlns:a14="http://schemas.microsoft.com/office/drawing/2010/main" xmlns="" w="9525">
+                <a14:hiddenLine xmlns="" xmlns:a14="http://schemas.microsoft.com/office/drawing/2010/main" w="9525">
                   <a:solidFill>
                     <a:srgbClr val="000000"/>
                   </a:solidFill>
@@ -976,7 +1005,7 @@
             </a:ln>
             <a:extLst>
               <a:ext uri="{91240B29-F687-4f45-9708-019B960494DF}">
-                <a14:hiddenLine xmlns:a14="http://schemas.microsoft.com/office/drawing/2010/main" xmlns="" w="9525">
+                <a14:hiddenLine xmlns="" xmlns:a14="http://schemas.microsoft.com/office/drawing/2010/main" w="9525">
                   <a:solidFill>
                     <a:srgbClr val="000000"/>
                   </a:solidFill>
@@ -1066,7 +1095,7 @@
             </a:ln>
             <a:extLst>
               <a:ext uri="{91240B29-F687-4f45-9708-019B960494DF}">
-                <a14:hiddenLine xmlns:a14="http://schemas.microsoft.com/office/drawing/2010/main" xmlns="" w="9525">
+                <a14:hiddenLine xmlns="" xmlns:a14="http://schemas.microsoft.com/office/drawing/2010/main" w="9525">
                   <a:solidFill>
                     <a:srgbClr val="000000"/>
                   </a:solidFill>
@@ -1128,7 +1157,7 @@
             </a:ln>
             <a:extLst>
               <a:ext uri="{91240B29-F687-4f45-9708-019B960494DF}">
-                <a14:hiddenLine xmlns:a14="http://schemas.microsoft.com/office/drawing/2010/main" xmlns="" w="9525">
+                <a14:hiddenLine xmlns="" xmlns:a14="http://schemas.microsoft.com/office/drawing/2010/main" w="9525">
                   <a:solidFill>
                     <a:srgbClr val="000000"/>
                   </a:solidFill>
@@ -1238,7 +1267,7 @@
             </a:ln>
             <a:extLst>
               <a:ext uri="{91240B29-F687-4f45-9708-019B960494DF}">
-                <a14:hiddenLine xmlns:a14="http://schemas.microsoft.com/office/drawing/2010/main" xmlns="" w="9525">
+                <a14:hiddenLine xmlns="" xmlns:a14="http://schemas.microsoft.com/office/drawing/2010/main" w="9525">
                   <a:solidFill>
                     <a:srgbClr val="000000"/>
                   </a:solidFill>
@@ -1300,7 +1329,7 @@
             </a:ln>
             <a:extLst>
               <a:ext uri="{91240B29-F687-4f45-9708-019B960494DF}">
-                <a14:hiddenLine xmlns:a14="http://schemas.microsoft.com/office/drawing/2010/main" xmlns="" w="9525">
+                <a14:hiddenLine xmlns="" xmlns:a14="http://schemas.microsoft.com/office/drawing/2010/main" w="9525">
                   <a:solidFill>
                     <a:srgbClr val="000000"/>
                   </a:solidFill>
@@ -1390,7 +1419,7 @@
             </a:ln>
             <a:extLst>
               <a:ext uri="{91240B29-F687-4f45-9708-019B960494DF}">
-                <a14:hiddenLine xmlns:a14="http://schemas.microsoft.com/office/drawing/2010/main" xmlns="" w="9525">
+                <a14:hiddenLine xmlns="" xmlns:a14="http://schemas.microsoft.com/office/drawing/2010/main" w="9525">
                   <a:solidFill>
                     <a:srgbClr val="000000"/>
                   </a:solidFill>
@@ -1480,7 +1509,7 @@
             </a:ln>
             <a:extLst>
               <a:ext uri="{91240B29-F687-4f45-9708-019B960494DF}">
-                <a14:hiddenLine xmlns:a14="http://schemas.microsoft.com/office/drawing/2010/main" xmlns="" w="9525">
+                <a14:hiddenLine xmlns="" xmlns:a14="http://schemas.microsoft.com/office/drawing/2010/main" w="9525">
                   <a:solidFill>
                     <a:srgbClr val="000000"/>
                   </a:solidFill>
@@ -1542,7 +1571,7 @@
             </a:ln>
             <a:extLst>
               <a:ext uri="{91240B29-F687-4f45-9708-019B960494DF}">
-                <a14:hiddenLine xmlns:a14="http://schemas.microsoft.com/office/drawing/2010/main" xmlns="" w="9525">
+                <a14:hiddenLine xmlns="" xmlns:a14="http://schemas.microsoft.com/office/drawing/2010/main" w="9525">
                   <a:solidFill>
                     <a:srgbClr val="000000"/>
                   </a:solidFill>
@@ -1632,7 +1661,7 @@
             </a:ln>
             <a:extLst>
               <a:ext uri="{91240B29-F687-4f45-9708-019B960494DF}">
-                <a14:hiddenLine xmlns:a14="http://schemas.microsoft.com/office/drawing/2010/main" xmlns="" w="9525">
+                <a14:hiddenLine xmlns="" xmlns:a14="http://schemas.microsoft.com/office/drawing/2010/main" w="9525">
                   <a:solidFill>
                     <a:srgbClr val="000000"/>
                   </a:solidFill>
@@ -1722,7 +1751,7 @@
             </a:ln>
             <a:extLst>
               <a:ext uri="{91240B29-F687-4f45-9708-019B960494DF}">
-                <a14:hiddenLine xmlns:a14="http://schemas.microsoft.com/office/drawing/2010/main" xmlns="" w="9525">
+                <a14:hiddenLine xmlns="" xmlns:a14="http://schemas.microsoft.com/office/drawing/2010/main" w="9525">
                   <a:solidFill>
                     <a:srgbClr val="000000"/>
                   </a:solidFill>
@@ -1778,7 +1807,7 @@
             </a:ln>
             <a:extLst>
               <a:ext uri="{91240B29-F687-4f45-9708-019B960494DF}">
-                <a14:hiddenLine xmlns:a14="http://schemas.microsoft.com/office/drawing/2010/main" xmlns="" w="9525">
+                <a14:hiddenLine xmlns="" xmlns:a14="http://schemas.microsoft.com/office/drawing/2010/main" w="9525">
                   <a:solidFill>
                     <a:srgbClr val="000000"/>
                   </a:solidFill>
@@ -1868,7 +1897,7 @@
             </a:ln>
             <a:extLst>
               <a:ext uri="{91240B29-F687-4f45-9708-019B960494DF}">
-                <a14:hiddenLine xmlns:a14="http://schemas.microsoft.com/office/drawing/2010/main" xmlns="" w="9525">
+                <a14:hiddenLine xmlns="" xmlns:a14="http://schemas.microsoft.com/office/drawing/2010/main" w="9525">
                   <a:solidFill>
                     <a:srgbClr val="000000"/>
                   </a:solidFill>
@@ -1924,7 +1953,7 @@
             </a:ln>
             <a:extLst>
               <a:ext uri="{91240B29-F687-4f45-9708-019B960494DF}">
-                <a14:hiddenLine xmlns:a14="http://schemas.microsoft.com/office/drawing/2010/main" xmlns="" w="9525">
+                <a14:hiddenLine xmlns="" xmlns:a14="http://schemas.microsoft.com/office/drawing/2010/main" w="9525">
                   <a:solidFill>
                     <a:srgbClr val="000000"/>
                   </a:solidFill>
@@ -2014,7 +2043,7 @@
             </a:ln>
             <a:extLst>
               <a:ext uri="{91240B29-F687-4f45-9708-019B960494DF}">
-                <a14:hiddenLine xmlns:a14="http://schemas.microsoft.com/office/drawing/2010/main" xmlns="" w="9525">
+                <a14:hiddenLine xmlns="" xmlns:a14="http://schemas.microsoft.com/office/drawing/2010/main" w="9525">
                   <a:solidFill>
                     <a:srgbClr val="000000"/>
                   </a:solidFill>
@@ -2082,7 +2111,7 @@
             </a:ln>
             <a:extLst>
               <a:ext uri="{91240B29-F687-4f45-9708-019B960494DF}">
-                <a14:hiddenLine xmlns:a14="http://schemas.microsoft.com/office/drawing/2010/main" xmlns="" w="9525">
+                <a14:hiddenLine xmlns="" xmlns:a14="http://schemas.microsoft.com/office/drawing/2010/main" w="9525">
                   <a:solidFill>
                     <a:srgbClr val="000000"/>
                   </a:solidFill>
@@ -2172,7 +2201,7 @@
             </a:ln>
             <a:extLst>
               <a:ext uri="{91240B29-F687-4f45-9708-019B960494DF}">
-                <a14:hiddenLine xmlns:a14="http://schemas.microsoft.com/office/drawing/2010/main" xmlns="" w="9525">
+                <a14:hiddenLine xmlns="" xmlns:a14="http://schemas.microsoft.com/office/drawing/2010/main" w="9525">
                   <a:solidFill>
                     <a:srgbClr val="000000"/>
                   </a:solidFill>
@@ -2240,7 +2269,7 @@
             </a:ln>
             <a:extLst>
               <a:ext uri="{91240B29-F687-4f45-9708-019B960494DF}">
-                <a14:hiddenLine xmlns:a14="http://schemas.microsoft.com/office/drawing/2010/main" xmlns="" w="9525">
+                <a14:hiddenLine xmlns="" xmlns:a14="http://schemas.microsoft.com/office/drawing/2010/main" w="9525">
                   <a:solidFill>
                     <a:srgbClr val="000000"/>
                   </a:solidFill>
@@ -2330,7 +2359,7 @@
             </a:ln>
             <a:extLst>
               <a:ext uri="{91240B29-F687-4f45-9708-019B960494DF}">
-                <a14:hiddenLine xmlns:a14="http://schemas.microsoft.com/office/drawing/2010/main" xmlns="" w="9525">
+                <a14:hiddenLine xmlns="" xmlns:a14="http://schemas.microsoft.com/office/drawing/2010/main" w="9525">
                   <a:solidFill>
                     <a:srgbClr val="000000"/>
                   </a:solidFill>
@@ -2364,7 +2393,7 @@
             </a:ln>
             <a:extLst>
               <a:ext uri="{91240B29-F687-4f45-9708-019B960494DF}">
-                <a14:hiddenLine xmlns:a14="http://schemas.microsoft.com/office/drawing/2010/main" xmlns="" w="9525">
+                <a14:hiddenLine xmlns="" xmlns:a14="http://schemas.microsoft.com/office/drawing/2010/main" w="9525">
                   <a:solidFill>
                     <a:srgbClr val="000000"/>
                   </a:solidFill>
@@ -2454,7 +2483,7 @@
             </a:ln>
             <a:extLst>
               <a:ext uri="{91240B29-F687-4f45-9708-019B960494DF}">
-                <a14:hiddenLine xmlns:a14="http://schemas.microsoft.com/office/drawing/2010/main" xmlns="" w="9525">
+                <a14:hiddenLine xmlns="" xmlns:a14="http://schemas.microsoft.com/office/drawing/2010/main" w="9525">
                   <a:solidFill>
                     <a:srgbClr val="000000"/>
                   </a:solidFill>
@@ -2516,7 +2545,7 @@
             </a:ln>
             <a:extLst>
               <a:ext uri="{91240B29-F687-4f45-9708-019B960494DF}">
-                <a14:hiddenLine xmlns:a14="http://schemas.microsoft.com/office/drawing/2010/main" xmlns="" w="9525">
+                <a14:hiddenLine xmlns="" xmlns:a14="http://schemas.microsoft.com/office/drawing/2010/main" w="9525">
                   <a:solidFill>
                     <a:srgbClr val="000000"/>
                   </a:solidFill>
@@ -2578,7 +2607,7 @@
             </a:ln>
             <a:extLst>
               <a:ext uri="{91240B29-F687-4f45-9708-019B960494DF}">
-                <a14:hiddenLine xmlns:a14="http://schemas.microsoft.com/office/drawing/2010/main" xmlns="" w="9525">
+                <a14:hiddenLine xmlns="" xmlns:a14="http://schemas.microsoft.com/office/drawing/2010/main" w="9525">
                   <a:solidFill>
                     <a:srgbClr val="000000"/>
                   </a:solidFill>
@@ -2668,7 +2697,7 @@
             </a:ln>
             <a:extLst>
               <a:ext uri="{91240B29-F687-4f45-9708-019B960494DF}">
-                <a14:hiddenLine xmlns:a14="http://schemas.microsoft.com/office/drawing/2010/main" xmlns="" w="9525">
+                <a14:hiddenLine xmlns="" xmlns:a14="http://schemas.microsoft.com/office/drawing/2010/main" w="9525">
                   <a:solidFill>
                     <a:srgbClr val="000000"/>
                   </a:solidFill>
@@ -2736,7 +2765,7 @@
             </a:ln>
             <a:extLst>
               <a:ext uri="{91240B29-F687-4f45-9708-019B960494DF}">
-                <a14:hiddenLine xmlns:a14="http://schemas.microsoft.com/office/drawing/2010/main" xmlns="" w="9525">
+                <a14:hiddenLine xmlns="" xmlns:a14="http://schemas.microsoft.com/office/drawing/2010/main" w="9525">
                   <a:solidFill>
                     <a:srgbClr val="000000"/>
                   </a:solidFill>
@@ -2798,7 +2827,7 @@
             </a:ln>
             <a:extLst>
               <a:ext uri="{91240B29-F687-4f45-9708-019B960494DF}">
-                <a14:hiddenLine xmlns:a14="http://schemas.microsoft.com/office/drawing/2010/main" xmlns="" w="9525">
+                <a14:hiddenLine xmlns="" xmlns:a14="http://schemas.microsoft.com/office/drawing/2010/main" w="9525">
                   <a:solidFill>
                     <a:srgbClr val="000000"/>
                   </a:solidFill>
@@ -2888,7 +2917,7 @@
             </a:ln>
             <a:extLst>
               <a:ext uri="{91240B29-F687-4f45-9708-019B960494DF}">
-                <a14:hiddenLine xmlns:a14="http://schemas.microsoft.com/office/drawing/2010/main" xmlns="" w="9525">
+                <a14:hiddenLine xmlns="" xmlns:a14="http://schemas.microsoft.com/office/drawing/2010/main" w="9525">
                   <a:solidFill>
                     <a:srgbClr val="000000"/>
                   </a:solidFill>
@@ -2950,7 +2979,7 @@
             </a:ln>
             <a:extLst>
               <a:ext uri="{91240B29-F687-4f45-9708-019B960494DF}">
-                <a14:hiddenLine xmlns:a14="http://schemas.microsoft.com/office/drawing/2010/main" xmlns="" w="9525">
+                <a14:hiddenLine xmlns="" xmlns:a14="http://schemas.microsoft.com/office/drawing/2010/main" w="9525">
                   <a:solidFill>
                     <a:srgbClr val="000000"/>
                   </a:solidFill>
@@ -3040,7 +3069,7 @@
             </a:ln>
             <a:extLst>
               <a:ext uri="{91240B29-F687-4f45-9708-019B960494DF}">
-                <a14:hiddenLine xmlns:a14="http://schemas.microsoft.com/office/drawing/2010/main" xmlns="" w="9525">
+                <a14:hiddenLine xmlns="" xmlns:a14="http://schemas.microsoft.com/office/drawing/2010/main" w="9525">
                   <a:solidFill>
                     <a:srgbClr val="000000"/>
                   </a:solidFill>
@@ -3102,7 +3131,7 @@
             </a:ln>
             <a:extLst>
               <a:ext uri="{91240B29-F687-4f45-9708-019B960494DF}">
-                <a14:hiddenLine xmlns:a14="http://schemas.microsoft.com/office/drawing/2010/main" xmlns="" w="9525">
+                <a14:hiddenLine xmlns="" xmlns:a14="http://schemas.microsoft.com/office/drawing/2010/main" w="9525">
                   <a:solidFill>
                     <a:srgbClr val="000000"/>
                   </a:solidFill>
@@ -3192,7 +3221,7 @@
             </a:ln>
             <a:extLst>
               <a:ext uri="{91240B29-F687-4f45-9708-019B960494DF}">
-                <a14:hiddenLine xmlns:a14="http://schemas.microsoft.com/office/drawing/2010/main" xmlns="" w="9525">
+                <a14:hiddenLine xmlns="" xmlns:a14="http://schemas.microsoft.com/office/drawing/2010/main" w="9525">
                   <a:solidFill>
                     <a:srgbClr val="000000"/>
                   </a:solidFill>
@@ -3226,7 +3255,7 @@
             </a:ln>
             <a:extLst>
               <a:ext uri="{91240B29-F687-4f45-9708-019B960494DF}">
-                <a14:hiddenLine xmlns:a14="http://schemas.microsoft.com/office/drawing/2010/main" xmlns="" w="9525">
+                <a14:hiddenLine xmlns="" xmlns:a14="http://schemas.microsoft.com/office/drawing/2010/main" w="9525">
                   <a:solidFill>
                     <a:srgbClr val="000000"/>
                   </a:solidFill>
@@ -3291,7 +3320,7 @@
             </a:ln>
             <a:extLst>
               <a:ext uri="{91240B29-F687-4f45-9708-019B960494DF}">
-                <a14:hiddenLine xmlns:a14="http://schemas.microsoft.com/office/drawing/2010/main" xmlns="" w="9525">
+                <a14:hiddenLine xmlns="" xmlns:a14="http://schemas.microsoft.com/office/drawing/2010/main" w="9525">
                   <a:solidFill>
                     <a:srgbClr val="000000"/>
                   </a:solidFill>
@@ -3381,7 +3410,7 @@
             </a:ln>
             <a:extLst>
               <a:ext uri="{91240B29-F687-4f45-9708-019B960494DF}">
-                <a14:hiddenLine xmlns:a14="http://schemas.microsoft.com/office/drawing/2010/main" xmlns="" w="9525">
+                <a14:hiddenLine xmlns="" xmlns:a14="http://schemas.microsoft.com/office/drawing/2010/main" w="9525">
                   <a:solidFill>
                     <a:srgbClr val="000000"/>
                   </a:solidFill>
@@ -3443,7 +3472,7 @@
             </a:ln>
             <a:extLst>
               <a:ext uri="{91240B29-F687-4f45-9708-019B960494DF}">
-                <a14:hiddenLine xmlns:a14="http://schemas.microsoft.com/office/drawing/2010/main" xmlns="" w="9525">
+                <a14:hiddenLine xmlns="" xmlns:a14="http://schemas.microsoft.com/office/drawing/2010/main" w="9525">
                   <a:solidFill>
                     <a:srgbClr val="000000"/>
                   </a:solidFill>
@@ -3533,7 +3562,7 @@
             </a:ln>
             <a:extLst>
               <a:ext uri="{91240B29-F687-4f45-9708-019B960494DF}">
-                <a14:hiddenLine xmlns:a14="http://schemas.microsoft.com/office/drawing/2010/main" xmlns="" w="9525">
+                <a14:hiddenLine xmlns="" xmlns:a14="http://schemas.microsoft.com/office/drawing/2010/main" w="9525">
                   <a:solidFill>
                     <a:srgbClr val="000000"/>
                   </a:solidFill>
@@ -3623,7 +3652,7 @@
             </a:ln>
             <a:extLst>
               <a:ext uri="{91240B29-F687-4f45-9708-019B960494DF}">
-                <a14:hiddenLine xmlns:a14="http://schemas.microsoft.com/office/drawing/2010/main" xmlns="" w="9525">
+                <a14:hiddenLine xmlns="" xmlns:a14="http://schemas.microsoft.com/office/drawing/2010/main" w="9525">
                   <a:solidFill>
                     <a:srgbClr val="000000"/>
                   </a:solidFill>
@@ -3688,7 +3717,7 @@
             </a:ln>
             <a:extLst>
               <a:ext uri="{91240B29-F687-4f45-9708-019B960494DF}">
-                <a14:hiddenLine xmlns:a14="http://schemas.microsoft.com/office/drawing/2010/main" xmlns="" w="9525">
+                <a14:hiddenLine xmlns="" xmlns:a14="http://schemas.microsoft.com/office/drawing/2010/main" w="9525">
                   <a:solidFill>
                     <a:srgbClr val="000000"/>
                   </a:solidFill>
@@ -3750,7 +3779,7 @@
             </a:ln>
             <a:extLst>
               <a:ext uri="{91240B29-F687-4f45-9708-019B960494DF}">
-                <a14:hiddenLine xmlns:a14="http://schemas.microsoft.com/office/drawing/2010/main" xmlns="" w="9525">
+                <a14:hiddenLine xmlns="" xmlns:a14="http://schemas.microsoft.com/office/drawing/2010/main" w="9525">
                   <a:solidFill>
                     <a:srgbClr val="000000"/>
                   </a:solidFill>
@@ -3840,7 +3869,7 @@
             </a:ln>
             <a:extLst>
               <a:ext uri="{91240B29-F687-4f45-9708-019B960494DF}">
-                <a14:hiddenLine xmlns:a14="http://schemas.microsoft.com/office/drawing/2010/main" xmlns="" w="9525">
+                <a14:hiddenLine xmlns="" xmlns:a14="http://schemas.microsoft.com/office/drawing/2010/main" w="9525">
                   <a:solidFill>
                     <a:srgbClr val="000000"/>
                   </a:solidFill>
@@ -3930,7 +3959,7 @@
             </a:ln>
             <a:extLst>
               <a:ext uri="{91240B29-F687-4f45-9708-019B960494DF}">
-                <a14:hiddenLine xmlns:a14="http://schemas.microsoft.com/office/drawing/2010/main" xmlns="" w="9525">
+                <a14:hiddenLine xmlns="" xmlns:a14="http://schemas.microsoft.com/office/drawing/2010/main" w="9525">
                   <a:solidFill>
                     <a:srgbClr val="000000"/>
                   </a:solidFill>
@@ -3992,7 +4021,7 @@
             </a:ln>
             <a:extLst>
               <a:ext uri="{91240B29-F687-4f45-9708-019B960494DF}">
-                <a14:hiddenLine xmlns:a14="http://schemas.microsoft.com/office/drawing/2010/main" xmlns="" w="9525">
+                <a14:hiddenLine xmlns="" xmlns:a14="http://schemas.microsoft.com/office/drawing/2010/main" w="9525">
                   <a:solidFill>
                     <a:srgbClr val="000000"/>
                   </a:solidFill>
@@ -4112,7 +4141,7 @@
             </a:ln>
             <a:extLst>
               <a:ext uri="{91240B29-F687-4f45-9708-019B960494DF}">
-                <a14:hiddenLine xmlns:a14="http://schemas.microsoft.com/office/drawing/2010/main" xmlns="" w="9525">
+                <a14:hiddenLine xmlns="" xmlns:a14="http://schemas.microsoft.com/office/drawing/2010/main" w="9525">
                   <a:solidFill>
                     <a:srgbClr val="000000"/>
                   </a:solidFill>
@@ -4180,7 +4209,7 @@
             </a:ln>
             <a:extLst>
               <a:ext uri="{91240B29-F687-4f45-9708-019B960494DF}">
-                <a14:hiddenLine xmlns:a14="http://schemas.microsoft.com/office/drawing/2010/main" xmlns="" w="9525">
+                <a14:hiddenLine xmlns="" xmlns:a14="http://schemas.microsoft.com/office/drawing/2010/main" w="9525">
                   <a:solidFill>
                     <a:srgbClr val="000000"/>
                   </a:solidFill>
@@ -4270,7 +4299,7 @@
             </a:ln>
             <a:extLst>
               <a:ext uri="{91240B29-F687-4f45-9708-019B960494DF}">
-                <a14:hiddenLine xmlns:a14="http://schemas.microsoft.com/office/drawing/2010/main" xmlns="" w="9525">
+                <a14:hiddenLine xmlns="" xmlns:a14="http://schemas.microsoft.com/office/drawing/2010/main" w="9525">
                   <a:solidFill>
                     <a:srgbClr val="000000"/>
                   </a:solidFill>
@@ -9177,7 +9206,7 @@
           <a:noFill/>
           <a:extLst>
             <a:ext uri="{909E8E84-426E-40dd-AFC4-6F175D3DCCD1}">
-              <a14:hiddenFill xmlns:a14="http://schemas.microsoft.com/office/drawing/2010/main" xmlns="">
+              <a14:hiddenFill xmlns="" xmlns:a14="http://schemas.microsoft.com/office/drawing/2010/main">
                 <a:solidFill>
                   <a:srgbClr val="FFFFFF"/>
                 </a:solidFill>
@@ -9251,7 +9280,7 @@
               </a:ln>
               <a:extLst>
                 <a:ext uri="{91240B29-F687-4f45-9708-019B960494DF}">
-                  <a14:hiddenLine xmlns:a14="http://schemas.microsoft.com/office/drawing/2010/main" xmlns="" w="9525">
+                  <a14:hiddenLine xmlns="" xmlns:a14="http://schemas.microsoft.com/office/drawing/2010/main" w="9525">
                     <a:solidFill>
                       <a:srgbClr val="000000"/>
                     </a:solidFill>
@@ -9341,7 +9370,7 @@
               </a:ln>
               <a:extLst>
                 <a:ext uri="{91240B29-F687-4f45-9708-019B960494DF}">
-                  <a14:hiddenLine xmlns:a14="http://schemas.microsoft.com/office/drawing/2010/main" xmlns="" w="9525">
+                  <a14:hiddenLine xmlns="" xmlns:a14="http://schemas.microsoft.com/office/drawing/2010/main" w="9525">
                     <a:solidFill>
                       <a:srgbClr val="000000"/>
                     </a:solidFill>
@@ -9431,7 +9460,7 @@
               </a:ln>
               <a:extLst>
                 <a:ext uri="{91240B29-F687-4f45-9708-019B960494DF}">
-                  <a14:hiddenLine xmlns:a14="http://schemas.microsoft.com/office/drawing/2010/main" xmlns="" w="9525">
+                  <a14:hiddenLine xmlns="" xmlns:a14="http://schemas.microsoft.com/office/drawing/2010/main" w="9525">
                     <a:solidFill>
                       <a:srgbClr val="000000"/>
                     </a:solidFill>
@@ -9493,7 +9522,7 @@
               </a:ln>
               <a:extLst>
                 <a:ext uri="{91240B29-F687-4f45-9708-019B960494DF}">
-                  <a14:hiddenLine xmlns:a14="http://schemas.microsoft.com/office/drawing/2010/main" xmlns="" w="9525">
+                  <a14:hiddenLine xmlns="" xmlns:a14="http://schemas.microsoft.com/office/drawing/2010/main" w="9525">
                     <a:solidFill>
                       <a:srgbClr val="000000"/>
                     </a:solidFill>
@@ -9583,7 +9612,7 @@
               </a:ln>
               <a:extLst>
                 <a:ext uri="{91240B29-F687-4f45-9708-019B960494DF}">
-                  <a14:hiddenLine xmlns:a14="http://schemas.microsoft.com/office/drawing/2010/main" xmlns="" w="9525">
+                  <a14:hiddenLine xmlns="" xmlns:a14="http://schemas.microsoft.com/office/drawing/2010/main" w="9525">
                     <a:solidFill>
                       <a:srgbClr val="000000"/>
                     </a:solidFill>
@@ -9645,7 +9674,7 @@
               </a:ln>
               <a:extLst>
                 <a:ext uri="{91240B29-F687-4f45-9708-019B960494DF}">
-                  <a14:hiddenLine xmlns:a14="http://schemas.microsoft.com/office/drawing/2010/main" xmlns="" w="9525">
+                  <a14:hiddenLine xmlns="" xmlns:a14="http://schemas.microsoft.com/office/drawing/2010/main" w="9525">
                     <a:solidFill>
                       <a:srgbClr val="000000"/>
                     </a:solidFill>
@@ -9707,7 +9736,7 @@
               </a:ln>
               <a:extLst>
                 <a:ext uri="{91240B29-F687-4f45-9708-019B960494DF}">
-                  <a14:hiddenLine xmlns:a14="http://schemas.microsoft.com/office/drawing/2010/main" xmlns="" w="9525">
+                  <a14:hiddenLine xmlns="" xmlns:a14="http://schemas.microsoft.com/office/drawing/2010/main" w="9525">
                     <a:solidFill>
                       <a:srgbClr val="000000"/>
                     </a:solidFill>
@@ -9797,7 +9826,7 @@
               </a:ln>
               <a:extLst>
                 <a:ext uri="{91240B29-F687-4f45-9708-019B960494DF}">
-                  <a14:hiddenLine xmlns:a14="http://schemas.microsoft.com/office/drawing/2010/main" xmlns="" w="9525">
+                  <a14:hiddenLine xmlns="" xmlns:a14="http://schemas.microsoft.com/office/drawing/2010/main" w="9525">
                     <a:solidFill>
                       <a:srgbClr val="000000"/>
                     </a:solidFill>
@@ -9887,7 +9916,7 @@
               </a:ln>
               <a:extLst>
                 <a:ext uri="{91240B29-F687-4f45-9708-019B960494DF}">
-                  <a14:hiddenLine xmlns:a14="http://schemas.microsoft.com/office/drawing/2010/main" xmlns="" w="9525">
+                  <a14:hiddenLine xmlns="" xmlns:a14="http://schemas.microsoft.com/office/drawing/2010/main" w="9525">
                     <a:solidFill>
                       <a:srgbClr val="000000"/>
                     </a:solidFill>
@@ -9949,7 +9978,7 @@
               </a:ln>
               <a:extLst>
                 <a:ext uri="{91240B29-F687-4f45-9708-019B960494DF}">
-                  <a14:hiddenLine xmlns:a14="http://schemas.microsoft.com/office/drawing/2010/main" xmlns="" w="9525">
+                  <a14:hiddenLine xmlns="" xmlns:a14="http://schemas.microsoft.com/office/drawing/2010/main" w="9525">
                     <a:solidFill>
                       <a:srgbClr val="000000"/>
                     </a:solidFill>
@@ -10059,7 +10088,7 @@
               </a:ln>
               <a:extLst>
                 <a:ext uri="{91240B29-F687-4f45-9708-019B960494DF}">
-                  <a14:hiddenLine xmlns:a14="http://schemas.microsoft.com/office/drawing/2010/main" xmlns="" w="9525">
+                  <a14:hiddenLine xmlns="" xmlns:a14="http://schemas.microsoft.com/office/drawing/2010/main" w="9525">
                     <a:solidFill>
                       <a:srgbClr val="000000"/>
                     </a:solidFill>
@@ -10143,7 +10172,7 @@
               </a:ln>
               <a:extLst>
                 <a:ext uri="{91240B29-F687-4f45-9708-019B960494DF}">
-                  <a14:hiddenLine xmlns:a14="http://schemas.microsoft.com/office/drawing/2010/main" xmlns="" w="9525">
+                  <a14:hiddenLine xmlns="" xmlns:a14="http://schemas.microsoft.com/office/drawing/2010/main" w="9525">
                     <a:solidFill>
                       <a:srgbClr val="000000"/>
                     </a:solidFill>
@@ -10205,7 +10234,7 @@
               </a:ln>
               <a:extLst>
                 <a:ext uri="{91240B29-F687-4f45-9708-019B960494DF}">
-                  <a14:hiddenLine xmlns:a14="http://schemas.microsoft.com/office/drawing/2010/main" xmlns="" w="9525">
+                  <a14:hiddenLine xmlns="" xmlns:a14="http://schemas.microsoft.com/office/drawing/2010/main" w="9525">
                     <a:solidFill>
                       <a:srgbClr val="000000"/>
                     </a:solidFill>
@@ -10267,7 +10296,7 @@
               </a:ln>
               <a:extLst>
                 <a:ext uri="{91240B29-F687-4f45-9708-019B960494DF}">
-                  <a14:hiddenLine xmlns:a14="http://schemas.microsoft.com/office/drawing/2010/main" xmlns="" w="9525">
+                  <a14:hiddenLine xmlns="" xmlns:a14="http://schemas.microsoft.com/office/drawing/2010/main" w="9525">
                     <a:solidFill>
                       <a:srgbClr val="000000"/>
                     </a:solidFill>
@@ -10357,7 +10386,7 @@
               </a:ln>
               <a:extLst>
                 <a:ext uri="{91240B29-F687-4f45-9708-019B960494DF}">
-                  <a14:hiddenLine xmlns:a14="http://schemas.microsoft.com/office/drawing/2010/main" xmlns="" w="9525">
+                  <a14:hiddenLine xmlns="" xmlns:a14="http://schemas.microsoft.com/office/drawing/2010/main" w="9525">
                     <a:solidFill>
                       <a:srgbClr val="000000"/>
                     </a:solidFill>
@@ -10391,7 +10420,7 @@
               </a:ln>
               <a:extLst>
                 <a:ext uri="{91240B29-F687-4f45-9708-019B960494DF}">
-                  <a14:hiddenLine xmlns:a14="http://schemas.microsoft.com/office/drawing/2010/main" xmlns="" w="9525">
+                  <a14:hiddenLine xmlns="" xmlns:a14="http://schemas.microsoft.com/office/drawing/2010/main" w="9525">
                     <a:solidFill>
                       <a:srgbClr val="000000"/>
                     </a:solidFill>
@@ -10456,7 +10485,7 @@
               </a:ln>
               <a:extLst>
                 <a:ext uri="{91240B29-F687-4f45-9708-019B960494DF}">
-                  <a14:hiddenLine xmlns:a14="http://schemas.microsoft.com/office/drawing/2010/main" xmlns="" w="9525">
+                  <a14:hiddenLine xmlns="" xmlns:a14="http://schemas.microsoft.com/office/drawing/2010/main" w="9525">
                     <a:solidFill>
                       <a:srgbClr val="000000"/>
                     </a:solidFill>
@@ -10546,7 +10575,7 @@
               </a:ln>
               <a:extLst>
                 <a:ext uri="{91240B29-F687-4f45-9708-019B960494DF}">
-                  <a14:hiddenLine xmlns:a14="http://schemas.microsoft.com/office/drawing/2010/main" xmlns="" w="9525">
+                  <a14:hiddenLine xmlns="" xmlns:a14="http://schemas.microsoft.com/office/drawing/2010/main" w="9525">
                     <a:solidFill>
                       <a:srgbClr val="000000"/>
                     </a:solidFill>
@@ -10608,7 +10637,7 @@
               </a:ln>
               <a:extLst>
                 <a:ext uri="{91240B29-F687-4f45-9708-019B960494DF}">
-                  <a14:hiddenLine xmlns:a14="http://schemas.microsoft.com/office/drawing/2010/main" xmlns="" w="9525">
+                  <a14:hiddenLine xmlns="" xmlns:a14="http://schemas.microsoft.com/office/drawing/2010/main" w="9525">
                     <a:solidFill>
                       <a:srgbClr val="000000"/>
                     </a:solidFill>
@@ -10698,7 +10727,7 @@
               </a:ln>
               <a:extLst>
                 <a:ext uri="{91240B29-F687-4f45-9708-019B960494DF}">
-                  <a14:hiddenLine xmlns:a14="http://schemas.microsoft.com/office/drawing/2010/main" xmlns="" w="9525">
+                  <a14:hiddenLine xmlns="" xmlns:a14="http://schemas.microsoft.com/office/drawing/2010/main" w="9525">
                     <a:solidFill>
                       <a:srgbClr val="000000"/>
                     </a:solidFill>
@@ -10763,7 +10792,7 @@
               </a:ln>
               <a:extLst>
                 <a:ext uri="{91240B29-F687-4f45-9708-019B960494DF}">
-                  <a14:hiddenLine xmlns:a14="http://schemas.microsoft.com/office/drawing/2010/main" xmlns="" w="9525">
+                  <a14:hiddenLine xmlns="" xmlns:a14="http://schemas.microsoft.com/office/drawing/2010/main" w="9525">
                     <a:solidFill>
                       <a:srgbClr val="000000"/>
                     </a:solidFill>
@@ -10825,7 +10854,7 @@
               </a:ln>
               <a:extLst>
                 <a:ext uri="{91240B29-F687-4f45-9708-019B960494DF}">
-                  <a14:hiddenLine xmlns:a14="http://schemas.microsoft.com/office/drawing/2010/main" xmlns="" w="9525">
+                  <a14:hiddenLine xmlns="" xmlns:a14="http://schemas.microsoft.com/office/drawing/2010/main" w="9525">
                     <a:solidFill>
                       <a:srgbClr val="000000"/>
                     </a:solidFill>
@@ -10915,7 +10944,7 @@
               </a:ln>
               <a:extLst>
                 <a:ext uri="{91240B29-F687-4f45-9708-019B960494DF}">
-                  <a14:hiddenLine xmlns:a14="http://schemas.microsoft.com/office/drawing/2010/main" xmlns="" w="9525">
+                  <a14:hiddenLine xmlns="" xmlns:a14="http://schemas.microsoft.com/office/drawing/2010/main" w="9525">
                     <a:solidFill>
                       <a:srgbClr val="000000"/>
                     </a:solidFill>
@@ -11005,7 +11034,7 @@
               </a:ln>
               <a:extLst>
                 <a:ext uri="{91240B29-F687-4f45-9708-019B960494DF}">
-                  <a14:hiddenLine xmlns:a14="http://schemas.microsoft.com/office/drawing/2010/main" xmlns="" w="9525">
+                  <a14:hiddenLine xmlns="" xmlns:a14="http://schemas.microsoft.com/office/drawing/2010/main" w="9525">
                     <a:solidFill>
                       <a:srgbClr val="000000"/>
                     </a:solidFill>
@@ -11070,7 +11099,7 @@
               </a:ln>
               <a:extLst>
                 <a:ext uri="{91240B29-F687-4f45-9708-019B960494DF}">
-                  <a14:hiddenLine xmlns:a14="http://schemas.microsoft.com/office/drawing/2010/main" xmlns="" w="9525">
+                  <a14:hiddenLine xmlns="" xmlns:a14="http://schemas.microsoft.com/office/drawing/2010/main" w="9525">
                     <a:solidFill>
                       <a:srgbClr val="000000"/>
                     </a:solidFill>
@@ -11190,7 +11219,7 @@
               </a:ln>
               <a:extLst>
                 <a:ext uri="{91240B29-F687-4f45-9708-019B960494DF}">
-                  <a14:hiddenLine xmlns:a14="http://schemas.microsoft.com/office/drawing/2010/main" xmlns="" w="9525">
+                  <a14:hiddenLine xmlns="" xmlns:a14="http://schemas.microsoft.com/office/drawing/2010/main" w="9525">
                     <a:solidFill>
                       <a:srgbClr val="000000"/>
                     </a:solidFill>
@@ -11288,7 +11317,7 @@
               </a:ln>
               <a:extLst>
                 <a:ext uri="{91240B29-F687-4f45-9708-019B960494DF}">
-                  <a14:hiddenLine xmlns:a14="http://schemas.microsoft.com/office/drawing/2010/main" xmlns="" w="9525">
+                  <a14:hiddenLine xmlns="" xmlns:a14="http://schemas.microsoft.com/office/drawing/2010/main" w="9525">
                     <a:solidFill>
                       <a:srgbClr val="000000"/>
                     </a:solidFill>
@@ -11403,7 +11432,7 @@
               </a:ln>
               <a:extLst>
                 <a:ext uri="{91240B29-F687-4f45-9708-019B960494DF}">
-                  <a14:hiddenLine xmlns:a14="http://schemas.microsoft.com/office/drawing/2010/main" xmlns="" w="9525">
+                  <a14:hiddenLine xmlns="" xmlns:a14="http://schemas.microsoft.com/office/drawing/2010/main" w="9525">
                     <a:solidFill>
                       <a:srgbClr val="000000"/>
                     </a:solidFill>
@@ -11493,7 +11522,7 @@
               </a:ln>
               <a:extLst>
                 <a:ext uri="{91240B29-F687-4f45-9708-019B960494DF}">
-                  <a14:hiddenLine xmlns:a14="http://schemas.microsoft.com/office/drawing/2010/main" xmlns="" w="9525">
+                  <a14:hiddenLine xmlns="" xmlns:a14="http://schemas.microsoft.com/office/drawing/2010/main" w="9525">
                     <a:solidFill>
                       <a:srgbClr val="000000"/>
                     </a:solidFill>
@@ -11558,7 +11587,7 @@
               </a:ln>
               <a:extLst>
                 <a:ext uri="{91240B29-F687-4f45-9708-019B960494DF}">
-                  <a14:hiddenLine xmlns:a14="http://schemas.microsoft.com/office/drawing/2010/main" xmlns="" w="9525">
+                  <a14:hiddenLine xmlns="" xmlns:a14="http://schemas.microsoft.com/office/drawing/2010/main" w="9525">
                     <a:solidFill>
                       <a:srgbClr val="000000"/>
                     </a:solidFill>
@@ -11648,7 +11677,7 @@
               </a:ln>
               <a:extLst>
                 <a:ext uri="{91240B29-F687-4f45-9708-019B960494DF}">
-                  <a14:hiddenLine xmlns:a14="http://schemas.microsoft.com/office/drawing/2010/main" xmlns="" w="9525">
+                  <a14:hiddenLine xmlns="" xmlns:a14="http://schemas.microsoft.com/office/drawing/2010/main" w="9525">
                     <a:solidFill>
                       <a:srgbClr val="000000"/>
                     </a:solidFill>
@@ -11716,7 +11745,7 @@
               </a:ln>
               <a:extLst>
                 <a:ext uri="{91240B29-F687-4f45-9708-019B960494DF}">
-                  <a14:hiddenLine xmlns:a14="http://schemas.microsoft.com/office/drawing/2010/main" xmlns="" w="9525">
+                  <a14:hiddenLine xmlns="" xmlns:a14="http://schemas.microsoft.com/office/drawing/2010/main" w="9525">
                     <a:solidFill>
                       <a:srgbClr val="000000"/>
                     </a:solidFill>
@@ -11806,7 +11835,7 @@
               </a:ln>
               <a:extLst>
                 <a:ext uri="{91240B29-F687-4f45-9708-019B960494DF}">
-                  <a14:hiddenLine xmlns:a14="http://schemas.microsoft.com/office/drawing/2010/main" xmlns="" w="9525">
+                  <a14:hiddenLine xmlns="" xmlns:a14="http://schemas.microsoft.com/office/drawing/2010/main" w="9525">
                     <a:solidFill>
                       <a:srgbClr val="000000"/>
                     </a:solidFill>
@@ -11874,7 +11903,7 @@
               </a:ln>
               <a:extLst>
                 <a:ext uri="{91240B29-F687-4f45-9708-019B960494DF}">
-                  <a14:hiddenLine xmlns:a14="http://schemas.microsoft.com/office/drawing/2010/main" xmlns="" w="9525">
+                  <a14:hiddenLine xmlns="" xmlns:a14="http://schemas.microsoft.com/office/drawing/2010/main" w="9525">
                     <a:solidFill>
                       <a:srgbClr val="000000"/>
                     </a:solidFill>
@@ -11964,7 +11993,7 @@
               </a:ln>
               <a:extLst>
                 <a:ext uri="{91240B29-F687-4f45-9708-019B960494DF}">
-                  <a14:hiddenLine xmlns:a14="http://schemas.microsoft.com/office/drawing/2010/main" xmlns="" w="9525">
+                  <a14:hiddenLine xmlns="" xmlns:a14="http://schemas.microsoft.com/office/drawing/2010/main" w="9525">
                     <a:solidFill>
                       <a:srgbClr val="000000"/>
                     </a:solidFill>
@@ -11998,7 +12027,7 @@
               </a:ln>
               <a:extLst>
                 <a:ext uri="{91240B29-F687-4f45-9708-019B960494DF}">
-                  <a14:hiddenLine xmlns:a14="http://schemas.microsoft.com/office/drawing/2010/main" xmlns="" w="9525">
+                  <a14:hiddenLine xmlns="" xmlns:a14="http://schemas.microsoft.com/office/drawing/2010/main" w="9525">
                     <a:solidFill>
                       <a:srgbClr val="000000"/>
                     </a:solidFill>
@@ -12626,7 +12655,12 @@
             <p:ph type="subTitle" idx="1"/>
           </p:nvPr>
         </p:nvSpPr>
-        <p:spPr/>
+        <p:spPr>
+          <a:xfrm>
+            <a:off x="1521316" y="2918456"/>
+            <a:ext cx="8791575" cy="3482344"/>
+          </a:xfrm>
+        </p:spPr>
         <p:txBody>
           <a:bodyPr>
             <a:noAutofit/>
@@ -12634,76 +12668,126 @@
           <a:lstStyle/>
           <a:p>
             <a:r>
-              <a:rPr lang="en-US" sz="2000" dirty="0">
+              <a:rPr lang="en-US" sz="2400" cap="none" dirty="0">
                 <a:solidFill>
                   <a:schemeClr val="tx1"/>
                 </a:solidFill>
               </a:rPr>
               <a:t>              </a:t>
             </a:r>
+            <a:r>
+              <a:rPr lang="en-US" sz="2400" b="1" cap="none" dirty="0">
+                <a:solidFill>
+                  <a:schemeClr val="tx1"/>
+                </a:solidFill>
+              </a:rPr>
+              <a:t>Group Members –</a:t>
+            </a:r>
+            <a:r>
+              <a:rPr lang="en-US" sz="2400" b="1" cap="none" dirty="0" err="1">
+                <a:solidFill>
+                  <a:schemeClr val="tx1"/>
+                </a:solidFill>
+              </a:rPr>
+              <a:t>Avinash</a:t>
+            </a:r>
+            <a:r>
+              <a:rPr lang="en-US" sz="2400" b="1" cap="none" dirty="0">
+                <a:solidFill>
+                  <a:schemeClr val="tx1"/>
+                </a:solidFill>
+              </a:rPr>
+              <a:t> Kadam (220343120019)</a:t>
+            </a:r>
+          </a:p>
+          <a:p>
+            <a:r>
+              <a:rPr lang="en-US" sz="2400" b="1" cap="none" dirty="0">
+                <a:solidFill>
+                  <a:schemeClr val="tx1"/>
+                </a:solidFill>
+              </a:rPr>
+              <a:t>                                           Akshay Shinde (220343120008)</a:t>
+            </a:r>
+          </a:p>
+          <a:p>
+            <a:r>
+              <a:rPr lang="en-US" sz="2400" b="1" cap="none" dirty="0">
+                <a:solidFill>
+                  <a:schemeClr val="tx1"/>
+                </a:solidFill>
+              </a:rPr>
+              <a:t>                                            </a:t>
+            </a:r>
+            <a:r>
+              <a:rPr lang="en-US" sz="2400" b="1" cap="none" dirty="0" err="1">
+                <a:solidFill>
+                  <a:schemeClr val="tx1"/>
+                </a:solidFill>
+              </a:rPr>
+              <a:t>Pradhuman</a:t>
+            </a:r>
+            <a:r>
+              <a:rPr lang="en-US" sz="2400" b="1" cap="none" dirty="0">
+                <a:solidFill>
+                  <a:schemeClr val="tx1"/>
+                </a:solidFill>
+              </a:rPr>
+              <a:t> </a:t>
+            </a:r>
+            <a:r>
+              <a:rPr lang="en-US" sz="2400" b="1" cap="none" dirty="0" err="1">
+                <a:solidFill>
+                  <a:schemeClr val="tx1"/>
+                </a:solidFill>
+              </a:rPr>
+              <a:t>Sutar</a:t>
+            </a:r>
+            <a:r>
+              <a:rPr lang="en-US" sz="2400" b="1" cap="none" dirty="0">
+                <a:solidFill>
+                  <a:schemeClr val="tx1"/>
+                </a:solidFill>
+              </a:rPr>
+              <a:t>(220343120079)</a:t>
+            </a:r>
+          </a:p>
+          <a:p>
+            <a:r>
+              <a:rPr lang="en-US" sz="2400" b="1" cap="none">
+                <a:solidFill>
+                  <a:schemeClr val="tx1"/>
+                </a:solidFill>
+              </a:rPr>
+              <a:t>                                             Narayan </a:t>
+            </a:r>
+            <a:r>
+              <a:rPr lang="en-US" sz="2400" b="1" cap="none" dirty="0">
+                <a:solidFill>
+                  <a:schemeClr val="tx1"/>
+                </a:solidFill>
+              </a:rPr>
+              <a:t>Rawat(220343120064)</a:t>
+            </a:r>
+          </a:p>
+          <a:p>
+            <a:r>
+              <a:rPr lang="en-US" sz="2400" b="1" cap="none" dirty="0">
+                <a:solidFill>
+                  <a:schemeClr val="tx1"/>
+                </a:solidFill>
+              </a:rPr>
+              <a:t> </a:t>
+            </a:r>
+          </a:p>
+          <a:p>
             <a:r>
               <a:rPr lang="en-US" sz="2000" b="1" dirty="0">
                 <a:solidFill>
                   <a:schemeClr val="tx1"/>
                 </a:solidFill>
               </a:rPr>
-              <a:t>Group Members –  Akshay shinde (220343120008)</a:t>
-            </a:r>
-          </a:p>
-          <a:p>
-            <a:r>
-              <a:rPr lang="en-US" sz="2000" b="1" dirty="0">
-                <a:solidFill>
-                  <a:schemeClr val="tx1"/>
-                </a:solidFill>
-              </a:rPr>
-              <a:t>                                              </a:t>
-            </a:r>
-            <a:r>
-              <a:rPr lang="en-US" sz="2000" b="1" dirty="0" err="1">
-                <a:solidFill>
-                  <a:schemeClr val="tx1"/>
-                </a:solidFill>
-              </a:rPr>
-              <a:t>Avinash</a:t>
-            </a:r>
-            <a:r>
-              <a:rPr lang="en-US" sz="2000" b="1" dirty="0">
-                <a:solidFill>
-                  <a:schemeClr val="tx1"/>
-                </a:solidFill>
-              </a:rPr>
-              <a:t> kadam (220343120019)</a:t>
-            </a:r>
-          </a:p>
-          <a:p>
-            <a:r>
-              <a:rPr lang="en-US" sz="2000" b="1" dirty="0">
-                <a:solidFill>
-                  <a:schemeClr val="tx1"/>
-                </a:solidFill>
-              </a:rPr>
-              <a:t>                                              Pradhuman sutar(220343120079)</a:t>
-            </a:r>
-          </a:p>
-          <a:p>
-            <a:r>
-              <a:rPr lang="en-US" sz="2000" b="1" dirty="0">
-                <a:solidFill>
-                  <a:schemeClr val="tx1"/>
-                </a:solidFill>
-              </a:rPr>
-              <a:t>                                               Narayan Rawat(220343120064)</a:t>
-            </a:r>
-          </a:p>
-          <a:p>
-            <a:r>
-              <a:rPr lang="en-US" sz="2000" b="1" dirty="0">
-                <a:solidFill>
-                  <a:schemeClr val="tx1"/>
-                </a:solidFill>
-              </a:rPr>
-              <a:t>      Project Guide –     Mrs. Harshita Maheshwari</a:t>
+              <a:t>                    Project Guide –     Mrs. Harshita Maheshwari</a:t>
             </a:r>
           </a:p>
         </p:txBody>

--- a/CityHealthCare.pptx
+++ b/CityHealthCare.pptx
@@ -139,18 +139,18 @@
   <pc:docChgLst>
     <pc:chgData name="Akshay Shinde" userId="41b8106f94077f75" providerId="LiveId" clId="{9D3C96CA-F37D-4BCF-B8CD-8E9EB6C505AF}"/>
     <pc:docChg chg="modSld">
-      <pc:chgData name="Akshay Shinde" userId="41b8106f94077f75" providerId="LiveId" clId="{9D3C96CA-F37D-4BCF-B8CD-8E9EB6C505AF}" dt="2022-09-26T17:24:30.934" v="77" actId="20577"/>
+      <pc:chgData name="Akshay Shinde" userId="41b8106f94077f75" providerId="LiveId" clId="{9D3C96CA-F37D-4BCF-B8CD-8E9EB6C505AF}" dt="2022-09-26T17:43:44.444" v="83" actId="20577"/>
       <pc:docMkLst>
         <pc:docMk/>
       </pc:docMkLst>
       <pc:sldChg chg="modSp mod">
-        <pc:chgData name="Akshay Shinde" userId="41b8106f94077f75" providerId="LiveId" clId="{9D3C96CA-F37D-4BCF-B8CD-8E9EB6C505AF}" dt="2022-09-26T17:24:30.934" v="77" actId="20577"/>
+        <pc:chgData name="Akshay Shinde" userId="41b8106f94077f75" providerId="LiveId" clId="{9D3C96CA-F37D-4BCF-B8CD-8E9EB6C505AF}" dt="2022-09-26T17:43:44.444" v="83" actId="20577"/>
         <pc:sldMkLst>
           <pc:docMk/>
           <pc:sldMk cId="3066581575" sldId="256"/>
         </pc:sldMkLst>
         <pc:spChg chg="mod">
-          <ac:chgData name="Akshay Shinde" userId="41b8106f94077f75" providerId="LiveId" clId="{9D3C96CA-F37D-4BCF-B8CD-8E9EB6C505AF}" dt="2022-09-26T17:24:30.934" v="77" actId="20577"/>
+          <ac:chgData name="Akshay Shinde" userId="41b8106f94077f75" providerId="LiveId" clId="{9D3C96CA-F37D-4BCF-B8CD-8E9EB6C505AF}" dt="2022-09-26T17:43:44.444" v="83" actId="20577"/>
           <ac:spMkLst>
             <pc:docMk/>
             <pc:sldMk cId="3066581575" sldId="256"/>
@@ -213,7 +213,7 @@
           <a:noFill/>
           <a:extLst>
             <a:ext uri="{909E8E84-426E-40dd-AFC4-6F175D3DCCD1}">
-              <a14:hiddenFill xmlns="" xmlns:a14="http://schemas.microsoft.com/office/drawing/2010/main">
+              <a14:hiddenFill xmlns:a14="http://schemas.microsoft.com/office/drawing/2010/main" xmlns="">
                 <a:solidFill>
                   <a:srgbClr val="FFFFFF"/>
                 </a:solidFill>
@@ -273,7 +273,7 @@
             </a:ln>
             <a:extLst>
               <a:ext uri="{91240B29-F687-4f45-9708-019B960494DF}">
-                <a14:hiddenLine xmlns="" xmlns:a14="http://schemas.microsoft.com/office/drawing/2010/main" w="9525">
+                <a14:hiddenLine xmlns:a14="http://schemas.microsoft.com/office/drawing/2010/main" xmlns="" w="9525">
                   <a:solidFill>
                     <a:srgbClr val="000000"/>
                   </a:solidFill>
@@ -363,7 +363,7 @@
             </a:ln>
             <a:extLst>
               <a:ext uri="{91240B29-F687-4f45-9708-019B960494DF}">
-                <a14:hiddenLine xmlns="" xmlns:a14="http://schemas.microsoft.com/office/drawing/2010/main" w="9525">
+                <a14:hiddenLine xmlns:a14="http://schemas.microsoft.com/office/drawing/2010/main" xmlns="" w="9525">
                   <a:solidFill>
                     <a:srgbClr val="000000"/>
                   </a:solidFill>
@@ -453,7 +453,7 @@
             </a:ln>
             <a:extLst>
               <a:ext uri="{91240B29-F687-4f45-9708-019B960494DF}">
-                <a14:hiddenLine xmlns="" xmlns:a14="http://schemas.microsoft.com/office/drawing/2010/main" w="9525">
+                <a14:hiddenLine xmlns:a14="http://schemas.microsoft.com/office/drawing/2010/main" xmlns="" w="9525">
                   <a:solidFill>
                     <a:srgbClr val="000000"/>
                   </a:solidFill>
@@ -487,7 +487,7 @@
             </a:ln>
             <a:extLst>
               <a:ext uri="{91240B29-F687-4f45-9708-019B960494DF}">
-                <a14:hiddenLine xmlns="" xmlns:a14="http://schemas.microsoft.com/office/drawing/2010/main" w="9525">
+                <a14:hiddenLine xmlns:a14="http://schemas.microsoft.com/office/drawing/2010/main" xmlns="" w="9525">
                   <a:solidFill>
                     <a:srgbClr val="000000"/>
                   </a:solidFill>
@@ -577,7 +577,7 @@
             </a:ln>
             <a:extLst>
               <a:ext uri="{91240B29-F687-4f45-9708-019B960494DF}">
-                <a14:hiddenLine xmlns="" xmlns:a14="http://schemas.microsoft.com/office/drawing/2010/main" w="9525">
+                <a14:hiddenLine xmlns:a14="http://schemas.microsoft.com/office/drawing/2010/main" xmlns="" w="9525">
                   <a:solidFill>
                     <a:srgbClr val="000000"/>
                   </a:solidFill>
@@ -639,7 +639,7 @@
             </a:ln>
             <a:extLst>
               <a:ext uri="{91240B29-F687-4f45-9708-019B960494DF}">
-                <a14:hiddenLine xmlns="" xmlns:a14="http://schemas.microsoft.com/office/drawing/2010/main" w="9525">
+                <a14:hiddenLine xmlns:a14="http://schemas.microsoft.com/office/drawing/2010/main" xmlns="" w="9525">
                   <a:solidFill>
                     <a:srgbClr val="000000"/>
                   </a:solidFill>
@@ -701,7 +701,7 @@
             </a:ln>
             <a:extLst>
               <a:ext uri="{91240B29-F687-4f45-9708-019B960494DF}">
-                <a14:hiddenLine xmlns="" xmlns:a14="http://schemas.microsoft.com/office/drawing/2010/main" w="9525">
+                <a14:hiddenLine xmlns:a14="http://schemas.microsoft.com/office/drawing/2010/main" xmlns="" w="9525">
                   <a:solidFill>
                     <a:srgbClr val="000000"/>
                   </a:solidFill>
@@ -791,7 +791,7 @@
             </a:ln>
             <a:extLst>
               <a:ext uri="{91240B29-F687-4f45-9708-019B960494DF}">
-                <a14:hiddenLine xmlns="" xmlns:a14="http://schemas.microsoft.com/office/drawing/2010/main" w="9525">
+                <a14:hiddenLine xmlns:a14="http://schemas.microsoft.com/office/drawing/2010/main" xmlns="" w="9525">
                   <a:solidFill>
                     <a:srgbClr val="000000"/>
                   </a:solidFill>
@@ -853,7 +853,7 @@
             </a:ln>
             <a:extLst>
               <a:ext uri="{91240B29-F687-4f45-9708-019B960494DF}">
-                <a14:hiddenLine xmlns="" xmlns:a14="http://schemas.microsoft.com/office/drawing/2010/main" w="9525">
+                <a14:hiddenLine xmlns:a14="http://schemas.microsoft.com/office/drawing/2010/main" xmlns="" w="9525">
                   <a:solidFill>
                     <a:srgbClr val="000000"/>
                   </a:solidFill>
@@ -915,7 +915,7 @@
             </a:ln>
             <a:extLst>
               <a:ext uri="{91240B29-F687-4f45-9708-019B960494DF}">
-                <a14:hiddenLine xmlns="" xmlns:a14="http://schemas.microsoft.com/office/drawing/2010/main" w="9525">
+                <a14:hiddenLine xmlns:a14="http://schemas.microsoft.com/office/drawing/2010/main" xmlns="" w="9525">
                   <a:solidFill>
                     <a:srgbClr val="000000"/>
                   </a:solidFill>
@@ -1005,7 +1005,7 @@
             </a:ln>
             <a:extLst>
               <a:ext uri="{91240B29-F687-4f45-9708-019B960494DF}">
-                <a14:hiddenLine xmlns="" xmlns:a14="http://schemas.microsoft.com/office/drawing/2010/main" w="9525">
+                <a14:hiddenLine xmlns:a14="http://schemas.microsoft.com/office/drawing/2010/main" xmlns="" w="9525">
                   <a:solidFill>
                     <a:srgbClr val="000000"/>
                   </a:solidFill>
@@ -1095,7 +1095,7 @@
             </a:ln>
             <a:extLst>
               <a:ext uri="{91240B29-F687-4f45-9708-019B960494DF}">
-                <a14:hiddenLine xmlns="" xmlns:a14="http://schemas.microsoft.com/office/drawing/2010/main" w="9525">
+                <a14:hiddenLine xmlns:a14="http://schemas.microsoft.com/office/drawing/2010/main" xmlns="" w="9525">
                   <a:solidFill>
                     <a:srgbClr val="000000"/>
                   </a:solidFill>
@@ -1157,7 +1157,7 @@
             </a:ln>
             <a:extLst>
               <a:ext uri="{91240B29-F687-4f45-9708-019B960494DF}">
-                <a14:hiddenLine xmlns="" xmlns:a14="http://schemas.microsoft.com/office/drawing/2010/main" w="9525">
+                <a14:hiddenLine xmlns:a14="http://schemas.microsoft.com/office/drawing/2010/main" xmlns="" w="9525">
                   <a:solidFill>
                     <a:srgbClr val="000000"/>
                   </a:solidFill>
@@ -1267,7 +1267,7 @@
             </a:ln>
             <a:extLst>
               <a:ext uri="{91240B29-F687-4f45-9708-019B960494DF}">
-                <a14:hiddenLine xmlns="" xmlns:a14="http://schemas.microsoft.com/office/drawing/2010/main" w="9525">
+                <a14:hiddenLine xmlns:a14="http://schemas.microsoft.com/office/drawing/2010/main" xmlns="" w="9525">
                   <a:solidFill>
                     <a:srgbClr val="000000"/>
                   </a:solidFill>
@@ -1329,7 +1329,7 @@
             </a:ln>
             <a:extLst>
               <a:ext uri="{91240B29-F687-4f45-9708-019B960494DF}">
-                <a14:hiddenLine xmlns="" xmlns:a14="http://schemas.microsoft.com/office/drawing/2010/main" w="9525">
+                <a14:hiddenLine xmlns:a14="http://schemas.microsoft.com/office/drawing/2010/main" xmlns="" w="9525">
                   <a:solidFill>
                     <a:srgbClr val="000000"/>
                   </a:solidFill>
@@ -1419,7 +1419,7 @@
             </a:ln>
             <a:extLst>
               <a:ext uri="{91240B29-F687-4f45-9708-019B960494DF}">
-                <a14:hiddenLine xmlns="" xmlns:a14="http://schemas.microsoft.com/office/drawing/2010/main" w="9525">
+                <a14:hiddenLine xmlns:a14="http://schemas.microsoft.com/office/drawing/2010/main" xmlns="" w="9525">
                   <a:solidFill>
                     <a:srgbClr val="000000"/>
                   </a:solidFill>
@@ -1509,7 +1509,7 @@
             </a:ln>
             <a:extLst>
               <a:ext uri="{91240B29-F687-4f45-9708-019B960494DF}">
-                <a14:hiddenLine xmlns="" xmlns:a14="http://schemas.microsoft.com/office/drawing/2010/main" w="9525">
+                <a14:hiddenLine xmlns:a14="http://schemas.microsoft.com/office/drawing/2010/main" xmlns="" w="9525">
                   <a:solidFill>
                     <a:srgbClr val="000000"/>
                   </a:solidFill>
@@ -1571,7 +1571,7 @@
             </a:ln>
             <a:extLst>
               <a:ext uri="{91240B29-F687-4f45-9708-019B960494DF}">
-                <a14:hiddenLine xmlns="" xmlns:a14="http://schemas.microsoft.com/office/drawing/2010/main" w="9525">
+                <a14:hiddenLine xmlns:a14="http://schemas.microsoft.com/office/drawing/2010/main" xmlns="" w="9525">
                   <a:solidFill>
                     <a:srgbClr val="000000"/>
                   </a:solidFill>
@@ -1661,7 +1661,7 @@
             </a:ln>
             <a:extLst>
               <a:ext uri="{91240B29-F687-4f45-9708-019B960494DF}">
-                <a14:hiddenLine xmlns="" xmlns:a14="http://schemas.microsoft.com/office/drawing/2010/main" w="9525">
+                <a14:hiddenLine xmlns:a14="http://schemas.microsoft.com/office/drawing/2010/main" xmlns="" w="9525">
                   <a:solidFill>
                     <a:srgbClr val="000000"/>
                   </a:solidFill>
@@ -1751,7 +1751,7 @@
             </a:ln>
             <a:extLst>
               <a:ext uri="{91240B29-F687-4f45-9708-019B960494DF}">
-                <a14:hiddenLine xmlns="" xmlns:a14="http://schemas.microsoft.com/office/drawing/2010/main" w="9525">
+                <a14:hiddenLine xmlns:a14="http://schemas.microsoft.com/office/drawing/2010/main" xmlns="" w="9525">
                   <a:solidFill>
                     <a:srgbClr val="000000"/>
                   </a:solidFill>
@@ -1807,7 +1807,7 @@
             </a:ln>
             <a:extLst>
               <a:ext uri="{91240B29-F687-4f45-9708-019B960494DF}">
-                <a14:hiddenLine xmlns="" xmlns:a14="http://schemas.microsoft.com/office/drawing/2010/main" w="9525">
+                <a14:hiddenLine xmlns:a14="http://schemas.microsoft.com/office/drawing/2010/main" xmlns="" w="9525">
                   <a:solidFill>
                     <a:srgbClr val="000000"/>
                   </a:solidFill>
@@ -1897,7 +1897,7 @@
             </a:ln>
             <a:extLst>
               <a:ext uri="{91240B29-F687-4f45-9708-019B960494DF}">
-                <a14:hiddenLine xmlns="" xmlns:a14="http://schemas.microsoft.com/office/drawing/2010/main" w="9525">
+                <a14:hiddenLine xmlns:a14="http://schemas.microsoft.com/office/drawing/2010/main" xmlns="" w="9525">
                   <a:solidFill>
                     <a:srgbClr val="000000"/>
                   </a:solidFill>
@@ -1953,7 +1953,7 @@
             </a:ln>
             <a:extLst>
               <a:ext uri="{91240B29-F687-4f45-9708-019B960494DF}">
-                <a14:hiddenLine xmlns="" xmlns:a14="http://schemas.microsoft.com/office/drawing/2010/main" w="9525">
+                <a14:hiddenLine xmlns:a14="http://schemas.microsoft.com/office/drawing/2010/main" xmlns="" w="9525">
                   <a:solidFill>
                     <a:srgbClr val="000000"/>
                   </a:solidFill>
@@ -2043,7 +2043,7 @@
             </a:ln>
             <a:extLst>
               <a:ext uri="{91240B29-F687-4f45-9708-019B960494DF}">
-                <a14:hiddenLine xmlns="" xmlns:a14="http://schemas.microsoft.com/office/drawing/2010/main" w="9525">
+                <a14:hiddenLine xmlns:a14="http://schemas.microsoft.com/office/drawing/2010/main" xmlns="" w="9525">
                   <a:solidFill>
                     <a:srgbClr val="000000"/>
                   </a:solidFill>
@@ -2111,7 +2111,7 @@
             </a:ln>
             <a:extLst>
               <a:ext uri="{91240B29-F687-4f45-9708-019B960494DF}">
-                <a14:hiddenLine xmlns="" xmlns:a14="http://schemas.microsoft.com/office/drawing/2010/main" w="9525">
+                <a14:hiddenLine xmlns:a14="http://schemas.microsoft.com/office/drawing/2010/main" xmlns="" w="9525">
                   <a:solidFill>
                     <a:srgbClr val="000000"/>
                   </a:solidFill>
@@ -2201,7 +2201,7 @@
             </a:ln>
             <a:extLst>
               <a:ext uri="{91240B29-F687-4f45-9708-019B960494DF}">
-                <a14:hiddenLine xmlns="" xmlns:a14="http://schemas.microsoft.com/office/drawing/2010/main" w="9525">
+                <a14:hiddenLine xmlns:a14="http://schemas.microsoft.com/office/drawing/2010/main" xmlns="" w="9525">
                   <a:solidFill>
                     <a:srgbClr val="000000"/>
                   </a:solidFill>
@@ -2269,7 +2269,7 @@
             </a:ln>
             <a:extLst>
               <a:ext uri="{91240B29-F687-4f45-9708-019B960494DF}">
-                <a14:hiddenLine xmlns="" xmlns:a14="http://schemas.microsoft.com/office/drawing/2010/main" w="9525">
+                <a14:hiddenLine xmlns:a14="http://schemas.microsoft.com/office/drawing/2010/main" xmlns="" w="9525">
                   <a:solidFill>
                     <a:srgbClr val="000000"/>
                   </a:solidFill>
@@ -2359,7 +2359,7 @@
             </a:ln>
             <a:extLst>
               <a:ext uri="{91240B29-F687-4f45-9708-019B960494DF}">
-                <a14:hiddenLine xmlns="" xmlns:a14="http://schemas.microsoft.com/office/drawing/2010/main" w="9525">
+                <a14:hiddenLine xmlns:a14="http://schemas.microsoft.com/office/drawing/2010/main" xmlns="" w="9525">
                   <a:solidFill>
                     <a:srgbClr val="000000"/>
                   </a:solidFill>
@@ -2393,7 +2393,7 @@
             </a:ln>
             <a:extLst>
               <a:ext uri="{91240B29-F687-4f45-9708-019B960494DF}">
-                <a14:hiddenLine xmlns="" xmlns:a14="http://schemas.microsoft.com/office/drawing/2010/main" w="9525">
+                <a14:hiddenLine xmlns:a14="http://schemas.microsoft.com/office/drawing/2010/main" xmlns="" w="9525">
                   <a:solidFill>
                     <a:srgbClr val="000000"/>
                   </a:solidFill>
@@ -2483,7 +2483,7 @@
             </a:ln>
             <a:extLst>
               <a:ext uri="{91240B29-F687-4f45-9708-019B960494DF}">
-                <a14:hiddenLine xmlns="" xmlns:a14="http://schemas.microsoft.com/office/drawing/2010/main" w="9525">
+                <a14:hiddenLine xmlns:a14="http://schemas.microsoft.com/office/drawing/2010/main" xmlns="" w="9525">
                   <a:solidFill>
                     <a:srgbClr val="000000"/>
                   </a:solidFill>
@@ -2545,7 +2545,7 @@
             </a:ln>
             <a:extLst>
               <a:ext uri="{91240B29-F687-4f45-9708-019B960494DF}">
-                <a14:hiddenLine xmlns="" xmlns:a14="http://schemas.microsoft.com/office/drawing/2010/main" w="9525">
+                <a14:hiddenLine xmlns:a14="http://schemas.microsoft.com/office/drawing/2010/main" xmlns="" w="9525">
                   <a:solidFill>
                     <a:srgbClr val="000000"/>
                   </a:solidFill>
@@ -2607,7 +2607,7 @@
             </a:ln>
             <a:extLst>
               <a:ext uri="{91240B29-F687-4f45-9708-019B960494DF}">
-                <a14:hiddenLine xmlns="" xmlns:a14="http://schemas.microsoft.com/office/drawing/2010/main" w="9525">
+                <a14:hiddenLine xmlns:a14="http://schemas.microsoft.com/office/drawing/2010/main" xmlns="" w="9525">
                   <a:solidFill>
                     <a:srgbClr val="000000"/>
                   </a:solidFill>
@@ -2697,7 +2697,7 @@
             </a:ln>
             <a:extLst>
               <a:ext uri="{91240B29-F687-4f45-9708-019B960494DF}">
-                <a14:hiddenLine xmlns="" xmlns:a14="http://schemas.microsoft.com/office/drawing/2010/main" w="9525">
+                <a14:hiddenLine xmlns:a14="http://schemas.microsoft.com/office/drawing/2010/main" xmlns="" w="9525">
                   <a:solidFill>
                     <a:srgbClr val="000000"/>
                   </a:solidFill>
@@ -2765,7 +2765,7 @@
             </a:ln>
             <a:extLst>
               <a:ext uri="{91240B29-F687-4f45-9708-019B960494DF}">
-                <a14:hiddenLine xmlns="" xmlns:a14="http://schemas.microsoft.com/office/drawing/2010/main" w="9525">
+                <a14:hiddenLine xmlns:a14="http://schemas.microsoft.com/office/drawing/2010/main" xmlns="" w="9525">
                   <a:solidFill>
                     <a:srgbClr val="000000"/>
                   </a:solidFill>
@@ -2827,7 +2827,7 @@
             </a:ln>
             <a:extLst>
               <a:ext uri="{91240B29-F687-4f45-9708-019B960494DF}">
-                <a14:hiddenLine xmlns="" xmlns:a14="http://schemas.microsoft.com/office/drawing/2010/main" w="9525">
+                <a14:hiddenLine xmlns:a14="http://schemas.microsoft.com/office/drawing/2010/main" xmlns="" w="9525">
                   <a:solidFill>
                     <a:srgbClr val="000000"/>
                   </a:solidFill>
@@ -2917,7 +2917,7 @@
             </a:ln>
             <a:extLst>
               <a:ext uri="{91240B29-F687-4f45-9708-019B960494DF}">
-                <a14:hiddenLine xmlns="" xmlns:a14="http://schemas.microsoft.com/office/drawing/2010/main" w="9525">
+                <a14:hiddenLine xmlns:a14="http://schemas.microsoft.com/office/drawing/2010/main" xmlns="" w="9525">
                   <a:solidFill>
                     <a:srgbClr val="000000"/>
                   </a:solidFill>
@@ -2979,7 +2979,7 @@
             </a:ln>
             <a:extLst>
               <a:ext uri="{91240B29-F687-4f45-9708-019B960494DF}">
-                <a14:hiddenLine xmlns="" xmlns:a14="http://schemas.microsoft.com/office/drawing/2010/main" w="9525">
+                <a14:hiddenLine xmlns:a14="http://schemas.microsoft.com/office/drawing/2010/main" xmlns="" w="9525">
                   <a:solidFill>
                     <a:srgbClr val="000000"/>
                   </a:solidFill>
@@ -3069,7 +3069,7 @@
             </a:ln>
             <a:extLst>
               <a:ext uri="{91240B29-F687-4f45-9708-019B960494DF}">
-                <a14:hiddenLine xmlns="" xmlns:a14="http://schemas.microsoft.com/office/drawing/2010/main" w="9525">
+                <a14:hiddenLine xmlns:a14="http://schemas.microsoft.com/office/drawing/2010/main" xmlns="" w="9525">
                   <a:solidFill>
                     <a:srgbClr val="000000"/>
                   </a:solidFill>
@@ -3131,7 +3131,7 @@
             </a:ln>
             <a:extLst>
               <a:ext uri="{91240B29-F687-4f45-9708-019B960494DF}">
-                <a14:hiddenLine xmlns="" xmlns:a14="http://schemas.microsoft.com/office/drawing/2010/main" w="9525">
+                <a14:hiddenLine xmlns:a14="http://schemas.microsoft.com/office/drawing/2010/main" xmlns="" w="9525">
                   <a:solidFill>
                     <a:srgbClr val="000000"/>
                   </a:solidFill>
@@ -3221,7 +3221,7 @@
             </a:ln>
             <a:extLst>
               <a:ext uri="{91240B29-F687-4f45-9708-019B960494DF}">
-                <a14:hiddenLine xmlns="" xmlns:a14="http://schemas.microsoft.com/office/drawing/2010/main" w="9525">
+                <a14:hiddenLine xmlns:a14="http://schemas.microsoft.com/office/drawing/2010/main" xmlns="" w="9525">
                   <a:solidFill>
                     <a:srgbClr val="000000"/>
                   </a:solidFill>
@@ -3255,7 +3255,7 @@
             </a:ln>
             <a:extLst>
               <a:ext uri="{91240B29-F687-4f45-9708-019B960494DF}">
-                <a14:hiddenLine xmlns="" xmlns:a14="http://schemas.microsoft.com/office/drawing/2010/main" w="9525">
+                <a14:hiddenLine xmlns:a14="http://schemas.microsoft.com/office/drawing/2010/main" xmlns="" w="9525">
                   <a:solidFill>
                     <a:srgbClr val="000000"/>
                   </a:solidFill>
@@ -3320,7 +3320,7 @@
             </a:ln>
             <a:extLst>
               <a:ext uri="{91240B29-F687-4f45-9708-019B960494DF}">
-                <a14:hiddenLine xmlns="" xmlns:a14="http://schemas.microsoft.com/office/drawing/2010/main" w="9525">
+                <a14:hiddenLine xmlns:a14="http://schemas.microsoft.com/office/drawing/2010/main" xmlns="" w="9525">
                   <a:solidFill>
                     <a:srgbClr val="000000"/>
                   </a:solidFill>
@@ -3410,7 +3410,7 @@
             </a:ln>
             <a:extLst>
               <a:ext uri="{91240B29-F687-4f45-9708-019B960494DF}">
-                <a14:hiddenLine xmlns="" xmlns:a14="http://schemas.microsoft.com/office/drawing/2010/main" w="9525">
+                <a14:hiddenLine xmlns:a14="http://schemas.microsoft.com/office/drawing/2010/main" xmlns="" w="9525">
                   <a:solidFill>
                     <a:srgbClr val="000000"/>
                   </a:solidFill>
@@ -3472,7 +3472,7 @@
             </a:ln>
             <a:extLst>
               <a:ext uri="{91240B29-F687-4f45-9708-019B960494DF}">
-                <a14:hiddenLine xmlns="" xmlns:a14="http://schemas.microsoft.com/office/drawing/2010/main" w="9525">
+                <a14:hiddenLine xmlns:a14="http://schemas.microsoft.com/office/drawing/2010/main" xmlns="" w="9525">
                   <a:solidFill>
                     <a:srgbClr val="000000"/>
                   </a:solidFill>
@@ -3562,7 +3562,7 @@
             </a:ln>
             <a:extLst>
               <a:ext uri="{91240B29-F687-4f45-9708-019B960494DF}">
-                <a14:hiddenLine xmlns="" xmlns:a14="http://schemas.microsoft.com/office/drawing/2010/main" w="9525">
+                <a14:hiddenLine xmlns:a14="http://schemas.microsoft.com/office/drawing/2010/main" xmlns="" w="9525">
                   <a:solidFill>
                     <a:srgbClr val="000000"/>
                   </a:solidFill>
@@ -3652,7 +3652,7 @@
             </a:ln>
             <a:extLst>
               <a:ext uri="{91240B29-F687-4f45-9708-019B960494DF}">
-                <a14:hiddenLine xmlns="" xmlns:a14="http://schemas.microsoft.com/office/drawing/2010/main" w="9525">
+                <a14:hiddenLine xmlns:a14="http://schemas.microsoft.com/office/drawing/2010/main" xmlns="" w="9525">
                   <a:solidFill>
                     <a:srgbClr val="000000"/>
                   </a:solidFill>
@@ -3717,7 +3717,7 @@
             </a:ln>
             <a:extLst>
               <a:ext uri="{91240B29-F687-4f45-9708-019B960494DF}">
-                <a14:hiddenLine xmlns="" xmlns:a14="http://schemas.microsoft.com/office/drawing/2010/main" w="9525">
+                <a14:hiddenLine xmlns:a14="http://schemas.microsoft.com/office/drawing/2010/main" xmlns="" w="9525">
                   <a:solidFill>
                     <a:srgbClr val="000000"/>
                   </a:solidFill>
@@ -3779,7 +3779,7 @@
             </a:ln>
             <a:extLst>
               <a:ext uri="{91240B29-F687-4f45-9708-019B960494DF}">
-                <a14:hiddenLine xmlns="" xmlns:a14="http://schemas.microsoft.com/office/drawing/2010/main" w="9525">
+                <a14:hiddenLine xmlns:a14="http://schemas.microsoft.com/office/drawing/2010/main" xmlns="" w="9525">
                   <a:solidFill>
                     <a:srgbClr val="000000"/>
                   </a:solidFill>
@@ -3869,7 +3869,7 @@
             </a:ln>
             <a:extLst>
               <a:ext uri="{91240B29-F687-4f45-9708-019B960494DF}">
-                <a14:hiddenLine xmlns="" xmlns:a14="http://schemas.microsoft.com/office/drawing/2010/main" w="9525">
+                <a14:hiddenLine xmlns:a14="http://schemas.microsoft.com/office/drawing/2010/main" xmlns="" w="9525">
                   <a:solidFill>
                     <a:srgbClr val="000000"/>
                   </a:solidFill>
@@ -3959,7 +3959,7 @@
             </a:ln>
             <a:extLst>
               <a:ext uri="{91240B29-F687-4f45-9708-019B960494DF}">
-                <a14:hiddenLine xmlns="" xmlns:a14="http://schemas.microsoft.com/office/drawing/2010/main" w="9525">
+                <a14:hiddenLine xmlns:a14="http://schemas.microsoft.com/office/drawing/2010/main" xmlns="" w="9525">
                   <a:solidFill>
                     <a:srgbClr val="000000"/>
                   </a:solidFill>
@@ -4021,7 +4021,7 @@
             </a:ln>
             <a:extLst>
               <a:ext uri="{91240B29-F687-4f45-9708-019B960494DF}">
-                <a14:hiddenLine xmlns="" xmlns:a14="http://schemas.microsoft.com/office/drawing/2010/main" w="9525">
+                <a14:hiddenLine xmlns:a14="http://schemas.microsoft.com/office/drawing/2010/main" xmlns="" w="9525">
                   <a:solidFill>
                     <a:srgbClr val="000000"/>
                   </a:solidFill>
@@ -4141,7 +4141,7 @@
             </a:ln>
             <a:extLst>
               <a:ext uri="{91240B29-F687-4f45-9708-019B960494DF}">
-                <a14:hiddenLine xmlns="" xmlns:a14="http://schemas.microsoft.com/office/drawing/2010/main" w="9525">
+                <a14:hiddenLine xmlns:a14="http://schemas.microsoft.com/office/drawing/2010/main" xmlns="" w="9525">
                   <a:solidFill>
                     <a:srgbClr val="000000"/>
                   </a:solidFill>
@@ -4209,7 +4209,7 @@
             </a:ln>
             <a:extLst>
               <a:ext uri="{91240B29-F687-4f45-9708-019B960494DF}">
-                <a14:hiddenLine xmlns="" xmlns:a14="http://schemas.microsoft.com/office/drawing/2010/main" w="9525">
+                <a14:hiddenLine xmlns:a14="http://schemas.microsoft.com/office/drawing/2010/main" xmlns="" w="9525">
                   <a:solidFill>
                     <a:srgbClr val="000000"/>
                   </a:solidFill>
@@ -4299,7 +4299,7 @@
             </a:ln>
             <a:extLst>
               <a:ext uri="{91240B29-F687-4f45-9708-019B960494DF}">
-                <a14:hiddenLine xmlns="" xmlns:a14="http://schemas.microsoft.com/office/drawing/2010/main" w="9525">
+                <a14:hiddenLine xmlns:a14="http://schemas.microsoft.com/office/drawing/2010/main" xmlns="" w="9525">
                   <a:solidFill>
                     <a:srgbClr val="000000"/>
                   </a:solidFill>
@@ -9206,7 +9206,7 @@
           <a:noFill/>
           <a:extLst>
             <a:ext uri="{909E8E84-426E-40dd-AFC4-6F175D3DCCD1}">
-              <a14:hiddenFill xmlns="" xmlns:a14="http://schemas.microsoft.com/office/drawing/2010/main">
+              <a14:hiddenFill xmlns:a14="http://schemas.microsoft.com/office/drawing/2010/main" xmlns="">
                 <a:solidFill>
                   <a:srgbClr val="FFFFFF"/>
                 </a:solidFill>
@@ -9280,7 +9280,7 @@
               </a:ln>
               <a:extLst>
                 <a:ext uri="{91240B29-F687-4f45-9708-019B960494DF}">
-                  <a14:hiddenLine xmlns="" xmlns:a14="http://schemas.microsoft.com/office/drawing/2010/main" w="9525">
+                  <a14:hiddenLine xmlns:a14="http://schemas.microsoft.com/office/drawing/2010/main" xmlns="" w="9525">
                     <a:solidFill>
                       <a:srgbClr val="000000"/>
                     </a:solidFill>
@@ -9370,7 +9370,7 @@
               </a:ln>
               <a:extLst>
                 <a:ext uri="{91240B29-F687-4f45-9708-019B960494DF}">
-                  <a14:hiddenLine xmlns="" xmlns:a14="http://schemas.microsoft.com/office/drawing/2010/main" w="9525">
+                  <a14:hiddenLine xmlns:a14="http://schemas.microsoft.com/office/drawing/2010/main" xmlns="" w="9525">
                     <a:solidFill>
                       <a:srgbClr val="000000"/>
                     </a:solidFill>
@@ -9460,7 +9460,7 @@
               </a:ln>
               <a:extLst>
                 <a:ext uri="{91240B29-F687-4f45-9708-019B960494DF}">
-                  <a14:hiddenLine xmlns="" xmlns:a14="http://schemas.microsoft.com/office/drawing/2010/main" w="9525">
+                  <a14:hiddenLine xmlns:a14="http://schemas.microsoft.com/office/drawing/2010/main" xmlns="" w="9525">
                     <a:solidFill>
                       <a:srgbClr val="000000"/>
                     </a:solidFill>
@@ -9522,7 +9522,7 @@
               </a:ln>
               <a:extLst>
                 <a:ext uri="{91240B29-F687-4f45-9708-019B960494DF}">
-                  <a14:hiddenLine xmlns="" xmlns:a14="http://schemas.microsoft.com/office/drawing/2010/main" w="9525">
+                  <a14:hiddenLine xmlns:a14="http://schemas.microsoft.com/office/drawing/2010/main" xmlns="" w="9525">
                     <a:solidFill>
                       <a:srgbClr val="000000"/>
                     </a:solidFill>
@@ -9612,7 +9612,7 @@
               </a:ln>
               <a:extLst>
                 <a:ext uri="{91240B29-F687-4f45-9708-019B960494DF}">
-                  <a14:hiddenLine xmlns="" xmlns:a14="http://schemas.microsoft.com/office/drawing/2010/main" w="9525">
+                  <a14:hiddenLine xmlns:a14="http://schemas.microsoft.com/office/drawing/2010/main" xmlns="" w="9525">
                     <a:solidFill>
                       <a:srgbClr val="000000"/>
                     </a:solidFill>
@@ -9674,7 +9674,7 @@
               </a:ln>
               <a:extLst>
                 <a:ext uri="{91240B29-F687-4f45-9708-019B960494DF}">
-                  <a14:hiddenLine xmlns="" xmlns:a14="http://schemas.microsoft.com/office/drawing/2010/main" w="9525">
+                  <a14:hiddenLine xmlns:a14="http://schemas.microsoft.com/office/drawing/2010/main" xmlns="" w="9525">
                     <a:solidFill>
                       <a:srgbClr val="000000"/>
                     </a:solidFill>
@@ -9736,7 +9736,7 @@
               </a:ln>
               <a:extLst>
                 <a:ext uri="{91240B29-F687-4f45-9708-019B960494DF}">
-                  <a14:hiddenLine xmlns="" xmlns:a14="http://schemas.microsoft.com/office/drawing/2010/main" w="9525">
+                  <a14:hiddenLine xmlns:a14="http://schemas.microsoft.com/office/drawing/2010/main" xmlns="" w="9525">
                     <a:solidFill>
                       <a:srgbClr val="000000"/>
                     </a:solidFill>
@@ -9826,7 +9826,7 @@
               </a:ln>
               <a:extLst>
                 <a:ext uri="{91240B29-F687-4f45-9708-019B960494DF}">
-                  <a14:hiddenLine xmlns="" xmlns:a14="http://schemas.microsoft.com/office/drawing/2010/main" w="9525">
+                  <a14:hiddenLine xmlns:a14="http://schemas.microsoft.com/office/drawing/2010/main" xmlns="" w="9525">
                     <a:solidFill>
                       <a:srgbClr val="000000"/>
                     </a:solidFill>
@@ -9916,7 +9916,7 @@
               </a:ln>
               <a:extLst>
                 <a:ext uri="{91240B29-F687-4f45-9708-019B960494DF}">
-                  <a14:hiddenLine xmlns="" xmlns:a14="http://schemas.microsoft.com/office/drawing/2010/main" w="9525">
+                  <a14:hiddenLine xmlns:a14="http://schemas.microsoft.com/office/drawing/2010/main" xmlns="" w="9525">
                     <a:solidFill>
                       <a:srgbClr val="000000"/>
                     </a:solidFill>
@@ -9978,7 +9978,7 @@
               </a:ln>
               <a:extLst>
                 <a:ext uri="{91240B29-F687-4f45-9708-019B960494DF}">
-                  <a14:hiddenLine xmlns="" xmlns:a14="http://schemas.microsoft.com/office/drawing/2010/main" w="9525">
+                  <a14:hiddenLine xmlns:a14="http://schemas.microsoft.com/office/drawing/2010/main" xmlns="" w="9525">
                     <a:solidFill>
                       <a:srgbClr val="000000"/>
                     </a:solidFill>
@@ -10088,7 +10088,7 @@
               </a:ln>
               <a:extLst>
                 <a:ext uri="{91240B29-F687-4f45-9708-019B960494DF}">
-                  <a14:hiddenLine xmlns="" xmlns:a14="http://schemas.microsoft.com/office/drawing/2010/main" w="9525">
+                  <a14:hiddenLine xmlns:a14="http://schemas.microsoft.com/office/drawing/2010/main" xmlns="" w="9525">
                     <a:solidFill>
                       <a:srgbClr val="000000"/>
                     </a:solidFill>
@@ -10172,7 +10172,7 @@
               </a:ln>
               <a:extLst>
                 <a:ext uri="{91240B29-F687-4f45-9708-019B960494DF}">
-                  <a14:hiddenLine xmlns="" xmlns:a14="http://schemas.microsoft.com/office/drawing/2010/main" w="9525">
+                  <a14:hiddenLine xmlns:a14="http://schemas.microsoft.com/office/drawing/2010/main" xmlns="" w="9525">
                     <a:solidFill>
                       <a:srgbClr val="000000"/>
                     </a:solidFill>
@@ -10234,7 +10234,7 @@
               </a:ln>
               <a:extLst>
                 <a:ext uri="{91240B29-F687-4f45-9708-019B960494DF}">
-                  <a14:hiddenLine xmlns="" xmlns:a14="http://schemas.microsoft.com/office/drawing/2010/main" w="9525">
+                  <a14:hiddenLine xmlns:a14="http://schemas.microsoft.com/office/drawing/2010/main" xmlns="" w="9525">
                     <a:solidFill>
                       <a:srgbClr val="000000"/>
                     </a:solidFill>
@@ -10296,7 +10296,7 @@
               </a:ln>
               <a:extLst>
                 <a:ext uri="{91240B29-F687-4f45-9708-019B960494DF}">
-                  <a14:hiddenLine xmlns="" xmlns:a14="http://schemas.microsoft.com/office/drawing/2010/main" w="9525">
+                  <a14:hiddenLine xmlns:a14="http://schemas.microsoft.com/office/drawing/2010/main" xmlns="" w="9525">
                     <a:solidFill>
                       <a:srgbClr val="000000"/>
                     </a:solidFill>
@@ -10386,7 +10386,7 @@
               </a:ln>
               <a:extLst>
                 <a:ext uri="{91240B29-F687-4f45-9708-019B960494DF}">
-                  <a14:hiddenLine xmlns="" xmlns:a14="http://schemas.microsoft.com/office/drawing/2010/main" w="9525">
+                  <a14:hiddenLine xmlns:a14="http://schemas.microsoft.com/office/drawing/2010/main" xmlns="" w="9525">
                     <a:solidFill>
                       <a:srgbClr val="000000"/>
                     </a:solidFill>
@@ -10420,7 +10420,7 @@
               </a:ln>
               <a:extLst>
                 <a:ext uri="{91240B29-F687-4f45-9708-019B960494DF}">
-                  <a14:hiddenLine xmlns="" xmlns:a14="http://schemas.microsoft.com/office/drawing/2010/main" w="9525">
+                  <a14:hiddenLine xmlns:a14="http://schemas.microsoft.com/office/drawing/2010/main" xmlns="" w="9525">
                     <a:solidFill>
                       <a:srgbClr val="000000"/>
                     </a:solidFill>
@@ -10485,7 +10485,7 @@
               </a:ln>
               <a:extLst>
                 <a:ext uri="{91240B29-F687-4f45-9708-019B960494DF}">
-                  <a14:hiddenLine xmlns="" xmlns:a14="http://schemas.microsoft.com/office/drawing/2010/main" w="9525">
+                  <a14:hiddenLine xmlns:a14="http://schemas.microsoft.com/office/drawing/2010/main" xmlns="" w="9525">
                     <a:solidFill>
                       <a:srgbClr val="000000"/>
                     </a:solidFill>
@@ -10575,7 +10575,7 @@
               </a:ln>
               <a:extLst>
                 <a:ext uri="{91240B29-F687-4f45-9708-019B960494DF}">
-                  <a14:hiddenLine xmlns="" xmlns:a14="http://schemas.microsoft.com/office/drawing/2010/main" w="9525">
+                  <a14:hiddenLine xmlns:a14="http://schemas.microsoft.com/office/drawing/2010/main" xmlns="" w="9525">
                     <a:solidFill>
                       <a:srgbClr val="000000"/>
                     </a:solidFill>
@@ -10637,7 +10637,7 @@
               </a:ln>
               <a:extLst>
                 <a:ext uri="{91240B29-F687-4f45-9708-019B960494DF}">
-                  <a14:hiddenLine xmlns="" xmlns:a14="http://schemas.microsoft.com/office/drawing/2010/main" w="9525">
+                  <a14:hiddenLine xmlns:a14="http://schemas.microsoft.com/office/drawing/2010/main" xmlns="" w="9525">
                     <a:solidFill>
                       <a:srgbClr val="000000"/>
                     </a:solidFill>
@@ -10727,7 +10727,7 @@
               </a:ln>
               <a:extLst>
                 <a:ext uri="{91240B29-F687-4f45-9708-019B960494DF}">
-                  <a14:hiddenLine xmlns="" xmlns:a14="http://schemas.microsoft.com/office/drawing/2010/main" w="9525">
+                  <a14:hiddenLine xmlns:a14="http://schemas.microsoft.com/office/drawing/2010/main" xmlns="" w="9525">
                     <a:solidFill>
                       <a:srgbClr val="000000"/>
                     </a:solidFill>
@@ -10792,7 +10792,7 @@
               </a:ln>
               <a:extLst>
                 <a:ext uri="{91240B29-F687-4f45-9708-019B960494DF}">
-                  <a14:hiddenLine xmlns="" xmlns:a14="http://schemas.microsoft.com/office/drawing/2010/main" w="9525">
+                  <a14:hiddenLine xmlns:a14="http://schemas.microsoft.com/office/drawing/2010/main" xmlns="" w="9525">
                     <a:solidFill>
                       <a:srgbClr val="000000"/>
                     </a:solidFill>
@@ -10854,7 +10854,7 @@
               </a:ln>
               <a:extLst>
                 <a:ext uri="{91240B29-F687-4f45-9708-019B960494DF}">
-                  <a14:hiddenLine xmlns="" xmlns:a14="http://schemas.microsoft.com/office/drawing/2010/main" w="9525">
+                  <a14:hiddenLine xmlns:a14="http://schemas.microsoft.com/office/drawing/2010/main" xmlns="" w="9525">
                     <a:solidFill>
                       <a:srgbClr val="000000"/>
                     </a:solidFill>
@@ -10944,7 +10944,7 @@
               </a:ln>
               <a:extLst>
                 <a:ext uri="{91240B29-F687-4f45-9708-019B960494DF}">
-                  <a14:hiddenLine xmlns="" xmlns:a14="http://schemas.microsoft.com/office/drawing/2010/main" w="9525">
+                  <a14:hiddenLine xmlns:a14="http://schemas.microsoft.com/office/drawing/2010/main" xmlns="" w="9525">
                     <a:solidFill>
                       <a:srgbClr val="000000"/>
                     </a:solidFill>
@@ -11034,7 +11034,7 @@
               </a:ln>
               <a:extLst>
                 <a:ext uri="{91240B29-F687-4f45-9708-019B960494DF}">
-                  <a14:hiddenLine xmlns="" xmlns:a14="http://schemas.microsoft.com/office/drawing/2010/main" w="9525">
+                  <a14:hiddenLine xmlns:a14="http://schemas.microsoft.com/office/drawing/2010/main" xmlns="" w="9525">
                     <a:solidFill>
                       <a:srgbClr val="000000"/>
                     </a:solidFill>
@@ -11099,7 +11099,7 @@
               </a:ln>
               <a:extLst>
                 <a:ext uri="{91240B29-F687-4f45-9708-019B960494DF}">
-                  <a14:hiddenLine xmlns="" xmlns:a14="http://schemas.microsoft.com/office/drawing/2010/main" w="9525">
+                  <a14:hiddenLine xmlns:a14="http://schemas.microsoft.com/office/drawing/2010/main" xmlns="" w="9525">
                     <a:solidFill>
                       <a:srgbClr val="000000"/>
                     </a:solidFill>
@@ -11219,7 +11219,7 @@
               </a:ln>
               <a:extLst>
                 <a:ext uri="{91240B29-F687-4f45-9708-019B960494DF}">
-                  <a14:hiddenLine xmlns="" xmlns:a14="http://schemas.microsoft.com/office/drawing/2010/main" w="9525">
+                  <a14:hiddenLine xmlns:a14="http://schemas.microsoft.com/office/drawing/2010/main" xmlns="" w="9525">
                     <a:solidFill>
                       <a:srgbClr val="000000"/>
                     </a:solidFill>
@@ -11317,7 +11317,7 @@
               </a:ln>
               <a:extLst>
                 <a:ext uri="{91240B29-F687-4f45-9708-019B960494DF}">
-                  <a14:hiddenLine xmlns="" xmlns:a14="http://schemas.microsoft.com/office/drawing/2010/main" w="9525">
+                  <a14:hiddenLine xmlns:a14="http://schemas.microsoft.com/office/drawing/2010/main" xmlns="" w="9525">
                     <a:solidFill>
                       <a:srgbClr val="000000"/>
                     </a:solidFill>
@@ -11432,7 +11432,7 @@
               </a:ln>
               <a:extLst>
                 <a:ext uri="{91240B29-F687-4f45-9708-019B960494DF}">
-                  <a14:hiddenLine xmlns="" xmlns:a14="http://schemas.microsoft.com/office/drawing/2010/main" w="9525">
+                  <a14:hiddenLine xmlns:a14="http://schemas.microsoft.com/office/drawing/2010/main" xmlns="" w="9525">
                     <a:solidFill>
                       <a:srgbClr val="000000"/>
                     </a:solidFill>
@@ -11522,7 +11522,7 @@
               </a:ln>
               <a:extLst>
                 <a:ext uri="{91240B29-F687-4f45-9708-019B960494DF}">
-                  <a14:hiddenLine xmlns="" xmlns:a14="http://schemas.microsoft.com/office/drawing/2010/main" w="9525">
+                  <a14:hiddenLine xmlns:a14="http://schemas.microsoft.com/office/drawing/2010/main" xmlns="" w="9525">
                     <a:solidFill>
                       <a:srgbClr val="000000"/>
                     </a:solidFill>
@@ -11587,7 +11587,7 @@
               </a:ln>
               <a:extLst>
                 <a:ext uri="{91240B29-F687-4f45-9708-019B960494DF}">
-                  <a14:hiddenLine xmlns="" xmlns:a14="http://schemas.microsoft.com/office/drawing/2010/main" w="9525">
+                  <a14:hiddenLine xmlns:a14="http://schemas.microsoft.com/office/drawing/2010/main" xmlns="" w="9525">
                     <a:solidFill>
                       <a:srgbClr val="000000"/>
                     </a:solidFill>
@@ -11677,7 +11677,7 @@
               </a:ln>
               <a:extLst>
                 <a:ext uri="{91240B29-F687-4f45-9708-019B960494DF}">
-                  <a14:hiddenLine xmlns="" xmlns:a14="http://schemas.microsoft.com/office/drawing/2010/main" w="9525">
+                  <a14:hiddenLine xmlns:a14="http://schemas.microsoft.com/office/drawing/2010/main" xmlns="" w="9525">
                     <a:solidFill>
                       <a:srgbClr val="000000"/>
                     </a:solidFill>
@@ -11745,7 +11745,7 @@
               </a:ln>
               <a:extLst>
                 <a:ext uri="{91240B29-F687-4f45-9708-019B960494DF}">
-                  <a14:hiddenLine xmlns="" xmlns:a14="http://schemas.microsoft.com/office/drawing/2010/main" w="9525">
+                  <a14:hiddenLine xmlns:a14="http://schemas.microsoft.com/office/drawing/2010/main" xmlns="" w="9525">
                     <a:solidFill>
                       <a:srgbClr val="000000"/>
                     </a:solidFill>
@@ -11835,7 +11835,7 @@
               </a:ln>
               <a:extLst>
                 <a:ext uri="{91240B29-F687-4f45-9708-019B960494DF}">
-                  <a14:hiddenLine xmlns="" xmlns:a14="http://schemas.microsoft.com/office/drawing/2010/main" w="9525">
+                  <a14:hiddenLine xmlns:a14="http://schemas.microsoft.com/office/drawing/2010/main" xmlns="" w="9525">
                     <a:solidFill>
                       <a:srgbClr val="000000"/>
                     </a:solidFill>
@@ -11903,7 +11903,7 @@
               </a:ln>
               <a:extLst>
                 <a:ext uri="{91240B29-F687-4f45-9708-019B960494DF}">
-                  <a14:hiddenLine xmlns="" xmlns:a14="http://schemas.microsoft.com/office/drawing/2010/main" w="9525">
+                  <a14:hiddenLine xmlns:a14="http://schemas.microsoft.com/office/drawing/2010/main" xmlns="" w="9525">
                     <a:solidFill>
                       <a:srgbClr val="000000"/>
                     </a:solidFill>
@@ -11993,7 +11993,7 @@
               </a:ln>
               <a:extLst>
                 <a:ext uri="{91240B29-F687-4f45-9708-019B960494DF}">
-                  <a14:hiddenLine xmlns="" xmlns:a14="http://schemas.microsoft.com/office/drawing/2010/main" w="9525">
+                  <a14:hiddenLine xmlns:a14="http://schemas.microsoft.com/office/drawing/2010/main" xmlns="" w="9525">
                     <a:solidFill>
                       <a:srgbClr val="000000"/>
                     </a:solidFill>
@@ -12027,7 +12027,7 @@
               </a:ln>
               <a:extLst>
                 <a:ext uri="{91240B29-F687-4f45-9708-019B960494DF}">
-                  <a14:hiddenLine xmlns="" xmlns:a14="http://schemas.microsoft.com/office/drawing/2010/main" w="9525">
+                  <a14:hiddenLine xmlns:a14="http://schemas.microsoft.com/office/drawing/2010/main" xmlns="" w="9525">
                     <a:solidFill>
                       <a:srgbClr val="000000"/>
                     </a:solidFill>
@@ -12712,62 +12712,38 @@
           </a:p>
           <a:p>
             <a:r>
+              <a:rPr lang="en-US" sz="2400" b="1" cap="none">
+                <a:solidFill>
+                  <a:schemeClr val="tx1"/>
+                </a:solidFill>
+              </a:rPr>
+              <a:t>                                           Pradyumna </a:t>
+            </a:r>
+            <a:r>
+              <a:rPr lang="en-US" sz="2400" b="1" cap="none" dirty="0" err="1">
+                <a:solidFill>
+                  <a:schemeClr val="tx1"/>
+                </a:solidFill>
+              </a:rPr>
+              <a:t>Sutar</a:t>
+            </a:r>
+            <a:r>
               <a:rPr lang="en-US" sz="2400" b="1" cap="none" dirty="0">
                 <a:solidFill>
                   <a:schemeClr val="tx1"/>
                 </a:solidFill>
               </a:rPr>
-              <a:t>                                            </a:t>
-            </a:r>
-            <a:r>
-              <a:rPr lang="en-US" sz="2400" b="1" cap="none" dirty="0" err="1">
-                <a:solidFill>
-                  <a:schemeClr val="tx1"/>
-                </a:solidFill>
-              </a:rPr>
-              <a:t>Pradhuman</a:t>
-            </a:r>
+              <a:t>(220343120079)</a:t>
+            </a:r>
+          </a:p>
+          <a:p>
             <a:r>
               <a:rPr lang="en-US" sz="2400" b="1" cap="none" dirty="0">
                 <a:solidFill>
                   <a:schemeClr val="tx1"/>
                 </a:solidFill>
               </a:rPr>
-              <a:t> </a:t>
-            </a:r>
-            <a:r>
-              <a:rPr lang="en-US" sz="2400" b="1" cap="none" dirty="0" err="1">
-                <a:solidFill>
-                  <a:schemeClr val="tx1"/>
-                </a:solidFill>
-              </a:rPr>
-              <a:t>Sutar</a:t>
-            </a:r>
-            <a:r>
-              <a:rPr lang="en-US" sz="2400" b="1" cap="none" dirty="0">
-                <a:solidFill>
-                  <a:schemeClr val="tx1"/>
-                </a:solidFill>
-              </a:rPr>
-              <a:t>(220343120079)</a:t>
-            </a:r>
-          </a:p>
-          <a:p>
-            <a:r>
-              <a:rPr lang="en-US" sz="2400" b="1" cap="none">
-                <a:solidFill>
-                  <a:schemeClr val="tx1"/>
-                </a:solidFill>
-              </a:rPr>
-              <a:t>                                             Narayan </a:t>
-            </a:r>
-            <a:r>
-              <a:rPr lang="en-US" sz="2400" b="1" cap="none" dirty="0">
-                <a:solidFill>
-                  <a:schemeClr val="tx1"/>
-                </a:solidFill>
-              </a:rPr>
-              <a:t>Rawat(220343120064)</a:t>
+              <a:t>                                            Narayan Rawat(220343120064)</a:t>
             </a:r>
           </a:p>
           <a:p>
